--- a/Whiteboard design session/images/image source.pptx
+++ b/Whiteboard design session/images/image source.pptx
@@ -11,6 +11,7 @@
     <p:sldId id="256" r:id="rId5"/>
     <p:sldId id="257" r:id="rId6"/>
     <p:sldId id="258" r:id="rId7"/>
+    <p:sldId id="262" r:id="rId8"/>
   </p:sldIdLst>
   <p:sldSz cx="12192000" cy="6858000"/>
   <p:notesSz cx="6858000" cy="9144000"/>
@@ -266,7 +267,7 @@
           <a:p>
             <a:fld id="{05FBCBB4-4BA2-41A0-8524-F65A6413FE7D}" type="datetimeFigureOut">
               <a:rPr lang="en-IE" smtClean="0"/>
-              <a:t>19/06/2020</a:t>
+              <a:t>30/06/2020</a:t>
             </a:fld>
             <a:endParaRPr lang="en-IE"/>
           </a:p>
@@ -466,7 +467,7 @@
           <a:p>
             <a:fld id="{05FBCBB4-4BA2-41A0-8524-F65A6413FE7D}" type="datetimeFigureOut">
               <a:rPr lang="en-IE" smtClean="0"/>
-              <a:t>19/06/2020</a:t>
+              <a:t>30/06/2020</a:t>
             </a:fld>
             <a:endParaRPr lang="en-IE"/>
           </a:p>
@@ -676,7 +677,7 @@
           <a:p>
             <a:fld id="{05FBCBB4-4BA2-41A0-8524-F65A6413FE7D}" type="datetimeFigureOut">
               <a:rPr lang="en-IE" smtClean="0"/>
-              <a:t>19/06/2020</a:t>
+              <a:t>30/06/2020</a:t>
             </a:fld>
             <a:endParaRPr lang="en-IE"/>
           </a:p>
@@ -876,7 +877,7 @@
           <a:p>
             <a:fld id="{05FBCBB4-4BA2-41A0-8524-F65A6413FE7D}" type="datetimeFigureOut">
               <a:rPr lang="en-IE" smtClean="0"/>
-              <a:t>19/06/2020</a:t>
+              <a:t>30/06/2020</a:t>
             </a:fld>
             <a:endParaRPr lang="en-IE"/>
           </a:p>
@@ -1152,7 +1153,7 @@
           <a:p>
             <a:fld id="{05FBCBB4-4BA2-41A0-8524-F65A6413FE7D}" type="datetimeFigureOut">
               <a:rPr lang="en-IE" smtClean="0"/>
-              <a:t>19/06/2020</a:t>
+              <a:t>30/06/2020</a:t>
             </a:fld>
             <a:endParaRPr lang="en-IE"/>
           </a:p>
@@ -1420,7 +1421,7 @@
           <a:p>
             <a:fld id="{05FBCBB4-4BA2-41A0-8524-F65A6413FE7D}" type="datetimeFigureOut">
               <a:rPr lang="en-IE" smtClean="0"/>
-              <a:t>19/06/2020</a:t>
+              <a:t>30/06/2020</a:t>
             </a:fld>
             <a:endParaRPr lang="en-IE"/>
           </a:p>
@@ -1835,7 +1836,7 @@
           <a:p>
             <a:fld id="{05FBCBB4-4BA2-41A0-8524-F65A6413FE7D}" type="datetimeFigureOut">
               <a:rPr lang="en-IE" smtClean="0"/>
-              <a:t>19/06/2020</a:t>
+              <a:t>30/06/2020</a:t>
             </a:fld>
             <a:endParaRPr lang="en-IE"/>
           </a:p>
@@ -1977,7 +1978,7 @@
           <a:p>
             <a:fld id="{05FBCBB4-4BA2-41A0-8524-F65A6413FE7D}" type="datetimeFigureOut">
               <a:rPr lang="en-IE" smtClean="0"/>
-              <a:t>19/06/2020</a:t>
+              <a:t>30/06/2020</a:t>
             </a:fld>
             <a:endParaRPr lang="en-IE"/>
           </a:p>
@@ -2090,7 +2091,7 @@
           <a:p>
             <a:fld id="{05FBCBB4-4BA2-41A0-8524-F65A6413FE7D}" type="datetimeFigureOut">
               <a:rPr lang="en-IE" smtClean="0"/>
-              <a:t>19/06/2020</a:t>
+              <a:t>30/06/2020</a:t>
             </a:fld>
             <a:endParaRPr lang="en-IE"/>
           </a:p>
@@ -2403,7 +2404,7 @@
           <a:p>
             <a:fld id="{05FBCBB4-4BA2-41A0-8524-F65A6413FE7D}" type="datetimeFigureOut">
               <a:rPr lang="en-IE" smtClean="0"/>
-              <a:t>19/06/2020</a:t>
+              <a:t>30/06/2020</a:t>
             </a:fld>
             <a:endParaRPr lang="en-IE"/>
           </a:p>
@@ -2692,7 +2693,7 @@
           <a:p>
             <a:fld id="{05FBCBB4-4BA2-41A0-8524-F65A6413FE7D}" type="datetimeFigureOut">
               <a:rPr lang="en-IE" smtClean="0"/>
-              <a:t>19/06/2020</a:t>
+              <a:t>30/06/2020</a:t>
             </a:fld>
             <a:endParaRPr lang="en-IE"/>
           </a:p>
@@ -2935,7 +2936,7 @@
           <a:p>
             <a:fld id="{05FBCBB4-4BA2-41A0-8524-F65A6413FE7D}" type="datetimeFigureOut">
               <a:rPr lang="en-IE" smtClean="0"/>
-              <a:t>19/06/2020</a:t>
+              <a:t>30/06/2020</a:t>
             </a:fld>
             <a:endParaRPr lang="en-IE"/>
           </a:p>
@@ -11796,6 +11797,3257 @@
 </p:sld>
 </file>
 
+<file path=ppt/slides/slide7.xml><?xml version="1.0" encoding="utf-8"?>
+<p:sld xmlns:a="http://schemas.openxmlformats.org/drawingml/2006/main" xmlns:r="http://schemas.openxmlformats.org/officeDocument/2006/relationships" xmlns:p="http://schemas.openxmlformats.org/presentationml/2006/main">
+  <p:cSld>
+    <p:spTree>
+      <p:nvGrpSpPr>
+        <p:cNvPr id="1" name=""/>
+        <p:cNvGrpSpPr/>
+        <p:nvPr/>
+      </p:nvGrpSpPr>
+      <p:grpSpPr>
+        <a:xfrm>
+          <a:off x="0" y="0"/>
+          <a:ext cx="0" cy="0"/>
+          <a:chOff x="0" y="0"/>
+          <a:chExt cx="0" cy="0"/>
+        </a:xfrm>
+      </p:grpSpPr>
+      <p:sp>
+        <p:nvSpPr>
+          <p:cNvPr id="73" name="Rectangle 72">
+            <a:extLst>
+              <a:ext uri="{FF2B5EF4-FFF2-40B4-BE49-F238E27FC236}">
+                <a16:creationId xmlns:a16="http://schemas.microsoft.com/office/drawing/2014/main" id="{31EC8922-C22C-45DF-86A8-706D74950060}"/>
+              </a:ext>
+            </a:extLst>
+          </p:cNvPr>
+          <p:cNvSpPr/>
+          <p:nvPr/>
+        </p:nvSpPr>
+        <p:spPr>
+          <a:xfrm>
+            <a:off x="5827848" y="1049110"/>
+            <a:ext cx="905217" cy="5460480"/>
+          </a:xfrm>
+          <a:prstGeom prst="rect">
+            <a:avLst/>
+          </a:prstGeom>
+          <a:solidFill>
+            <a:schemeClr val="accent6">
+              <a:lumMod val="20000"/>
+              <a:lumOff val="80000"/>
+              <a:alpha val="50000"/>
+            </a:schemeClr>
+          </a:solidFill>
+          <a:ln w="25400">
+            <a:solidFill>
+              <a:schemeClr val="accent6">
+                <a:lumMod val="75000"/>
+              </a:schemeClr>
+            </a:solidFill>
+            <a:prstDash val="dash"/>
+          </a:ln>
+        </p:spPr>
+        <p:style>
+          <a:lnRef idx="2">
+            <a:schemeClr val="accent1">
+              <a:shade val="50000"/>
+            </a:schemeClr>
+          </a:lnRef>
+          <a:fillRef idx="1">
+            <a:schemeClr val="accent1"/>
+          </a:fillRef>
+          <a:effectRef idx="0">
+            <a:schemeClr val="accent1"/>
+          </a:effectRef>
+          <a:fontRef idx="minor">
+            <a:schemeClr val="lt1"/>
+          </a:fontRef>
+        </p:style>
+        <p:txBody>
+          <a:bodyPr rtlCol="0" anchor="b" anchorCtr="0"/>
+          <a:lstStyle/>
+          <a:p>
+            <a:pPr algn="ctr"/>
+            <a:r>
+              <a:rPr lang="en-IE" sz="1200" dirty="0">
+                <a:solidFill>
+                  <a:schemeClr val="tx1"/>
+                </a:solidFill>
+              </a:rPr>
+              <a:t>Zone Redundant</a:t>
+            </a:r>
+          </a:p>
+        </p:txBody>
+      </p:sp>
+      <p:sp>
+        <p:nvSpPr>
+          <p:cNvPr id="72" name="Rectangle 71">
+            <a:extLst>
+              <a:ext uri="{FF2B5EF4-FFF2-40B4-BE49-F238E27FC236}">
+                <a16:creationId xmlns:a16="http://schemas.microsoft.com/office/drawing/2014/main" id="{74998E7E-6BCD-42CB-B954-AFCE4C5EAA0B}"/>
+              </a:ext>
+            </a:extLst>
+          </p:cNvPr>
+          <p:cNvSpPr/>
+          <p:nvPr/>
+        </p:nvSpPr>
+        <p:spPr>
+          <a:xfrm>
+            <a:off x="6860827" y="1051129"/>
+            <a:ext cx="905217" cy="5458461"/>
+          </a:xfrm>
+          <a:prstGeom prst="rect">
+            <a:avLst/>
+          </a:prstGeom>
+          <a:solidFill>
+            <a:schemeClr val="accent6">
+              <a:lumMod val="20000"/>
+              <a:lumOff val="80000"/>
+              <a:alpha val="50000"/>
+            </a:schemeClr>
+          </a:solidFill>
+          <a:ln w="25400">
+            <a:solidFill>
+              <a:schemeClr val="accent6">
+                <a:lumMod val="75000"/>
+              </a:schemeClr>
+            </a:solidFill>
+            <a:prstDash val="dash"/>
+          </a:ln>
+        </p:spPr>
+        <p:style>
+          <a:lnRef idx="2">
+            <a:schemeClr val="accent1">
+              <a:shade val="50000"/>
+            </a:schemeClr>
+          </a:lnRef>
+          <a:fillRef idx="1">
+            <a:schemeClr val="accent1"/>
+          </a:fillRef>
+          <a:effectRef idx="0">
+            <a:schemeClr val="accent1"/>
+          </a:effectRef>
+          <a:fontRef idx="minor">
+            <a:schemeClr val="lt1"/>
+          </a:fontRef>
+        </p:style>
+        <p:txBody>
+          <a:bodyPr rtlCol="0" anchor="b" anchorCtr="0"/>
+          <a:lstStyle/>
+          <a:p>
+            <a:pPr algn="ctr"/>
+            <a:r>
+              <a:rPr lang="en-IE" sz="1200" dirty="0">
+                <a:solidFill>
+                  <a:schemeClr val="tx1"/>
+                </a:solidFill>
+              </a:rPr>
+              <a:t>Availability Zone 2</a:t>
+            </a:r>
+          </a:p>
+        </p:txBody>
+      </p:sp>
+      <p:sp>
+        <p:nvSpPr>
+          <p:cNvPr id="70" name="Rectangle 69">
+            <a:extLst>
+              <a:ext uri="{FF2B5EF4-FFF2-40B4-BE49-F238E27FC236}">
+                <a16:creationId xmlns:a16="http://schemas.microsoft.com/office/drawing/2014/main" id="{29BF6DD3-7224-4F68-A314-46158036B694}"/>
+              </a:ext>
+            </a:extLst>
+          </p:cNvPr>
+          <p:cNvSpPr/>
+          <p:nvPr/>
+        </p:nvSpPr>
+        <p:spPr>
+          <a:xfrm>
+            <a:off x="4797106" y="1049109"/>
+            <a:ext cx="905217" cy="5460481"/>
+          </a:xfrm>
+          <a:prstGeom prst="rect">
+            <a:avLst/>
+          </a:prstGeom>
+          <a:solidFill>
+            <a:schemeClr val="accent6">
+              <a:lumMod val="20000"/>
+              <a:lumOff val="80000"/>
+              <a:alpha val="50000"/>
+            </a:schemeClr>
+          </a:solidFill>
+          <a:ln w="25400">
+            <a:solidFill>
+              <a:schemeClr val="accent6">
+                <a:lumMod val="75000"/>
+              </a:schemeClr>
+            </a:solidFill>
+            <a:prstDash val="dash"/>
+          </a:ln>
+        </p:spPr>
+        <p:style>
+          <a:lnRef idx="2">
+            <a:schemeClr val="accent1">
+              <a:shade val="50000"/>
+            </a:schemeClr>
+          </a:lnRef>
+          <a:fillRef idx="1">
+            <a:schemeClr val="accent1"/>
+          </a:fillRef>
+          <a:effectRef idx="0">
+            <a:schemeClr val="accent1"/>
+          </a:effectRef>
+          <a:fontRef idx="minor">
+            <a:schemeClr val="lt1"/>
+          </a:fontRef>
+        </p:style>
+        <p:txBody>
+          <a:bodyPr rtlCol="0" anchor="b" anchorCtr="0"/>
+          <a:lstStyle/>
+          <a:p>
+            <a:pPr algn="ctr"/>
+            <a:r>
+              <a:rPr lang="en-IE" sz="1200" dirty="0">
+                <a:solidFill>
+                  <a:schemeClr val="tx1"/>
+                </a:solidFill>
+              </a:rPr>
+              <a:t>Availability Zone 1</a:t>
+            </a:r>
+          </a:p>
+        </p:txBody>
+      </p:sp>
+      <p:grpSp>
+        <p:nvGrpSpPr>
+          <p:cNvPr id="71" name="Group 70">
+            <a:extLst>
+              <a:ext uri="{FF2B5EF4-FFF2-40B4-BE49-F238E27FC236}">
+                <a16:creationId xmlns:a16="http://schemas.microsoft.com/office/drawing/2014/main" id="{5D8306B1-97E3-4AE7-A0CF-3EC50F294F39}"/>
+              </a:ext>
+            </a:extLst>
+          </p:cNvPr>
+          <p:cNvGrpSpPr/>
+          <p:nvPr/>
+        </p:nvGrpSpPr>
+        <p:grpSpPr>
+          <a:xfrm>
+            <a:off x="4874936" y="1279302"/>
+            <a:ext cx="2836438" cy="4765764"/>
+            <a:chOff x="5278211" y="414302"/>
+            <a:chExt cx="3737726" cy="6280100"/>
+          </a:xfrm>
+        </p:grpSpPr>
+        <p:pic>
+          <p:nvPicPr>
+            <p:cNvPr id="5" name="Graphic 4">
+              <a:extLst>
+                <a:ext uri="{FF2B5EF4-FFF2-40B4-BE49-F238E27FC236}">
+                  <a16:creationId xmlns:a16="http://schemas.microsoft.com/office/drawing/2014/main" id="{6781A858-C3B9-4E3C-956C-A5CBB764B3ED}"/>
+                </a:ext>
+              </a:extLst>
+            </p:cNvPr>
+            <p:cNvPicPr>
+              <a:picLocks noChangeAspect="1"/>
+            </p:cNvPicPr>
+            <p:nvPr/>
+          </p:nvPicPr>
+          <p:blipFill>
+            <a:blip r:embed="rId2">
+              <a:extLst>
+                <a:ext uri="{28A0092B-C50C-407E-A947-70E740481C1C}">
+                  <a14:useLocalDpi xmlns:a14="http://schemas.microsoft.com/office/drawing/2010/main" val="0"/>
+                </a:ext>
+                <a:ext uri="{96DAC541-7B7A-43D3-8B79-37D633B846F1}">
+                  <asvg:svgBlip xmlns:asvg="http://schemas.microsoft.com/office/drawing/2016/SVG/main" r:embed="rId3"/>
+                </a:ext>
+              </a:extLst>
+            </a:blip>
+            <a:stretch>
+              <a:fillRect/>
+            </a:stretch>
+          </p:blipFill>
+          <p:spPr>
+            <a:xfrm>
+              <a:off x="6791324" y="2576274"/>
+              <a:ext cx="752070" cy="752070"/>
+            </a:xfrm>
+            <a:prstGeom prst="rect">
+              <a:avLst/>
+            </a:prstGeom>
+          </p:spPr>
+        </p:pic>
+        <p:pic>
+          <p:nvPicPr>
+            <p:cNvPr id="7" name="Graphic 6">
+              <a:extLst>
+                <a:ext uri="{FF2B5EF4-FFF2-40B4-BE49-F238E27FC236}">
+                  <a16:creationId xmlns:a16="http://schemas.microsoft.com/office/drawing/2014/main" id="{36A01770-8EDB-4A0D-8BEA-B6A96CC7D8D5}"/>
+                </a:ext>
+              </a:extLst>
+            </p:cNvPr>
+            <p:cNvPicPr>
+              <a:picLocks noChangeAspect="1"/>
+            </p:cNvPicPr>
+            <p:nvPr/>
+          </p:nvPicPr>
+          <p:blipFill>
+            <a:blip r:embed="rId4">
+              <a:extLst>
+                <a:ext uri="{28A0092B-C50C-407E-A947-70E740481C1C}">
+                  <a14:useLocalDpi xmlns:a14="http://schemas.microsoft.com/office/drawing/2010/main" val="0"/>
+                </a:ext>
+                <a:ext uri="{96DAC541-7B7A-43D3-8B79-37D633B846F1}">
+                  <asvg:svgBlip xmlns:asvg="http://schemas.microsoft.com/office/drawing/2016/SVG/main" r:embed="rId5"/>
+                </a:ext>
+              </a:extLst>
+            </a:blip>
+            <a:stretch>
+              <a:fillRect/>
+            </a:stretch>
+          </p:blipFill>
+          <p:spPr>
+            <a:xfrm>
+              <a:off x="8122062" y="1482115"/>
+              <a:ext cx="752070" cy="752070"/>
+            </a:xfrm>
+            <a:prstGeom prst="rect">
+              <a:avLst/>
+            </a:prstGeom>
+          </p:spPr>
+        </p:pic>
+        <p:pic>
+          <p:nvPicPr>
+            <p:cNvPr id="9" name="Graphic 8">
+              <a:extLst>
+                <a:ext uri="{FF2B5EF4-FFF2-40B4-BE49-F238E27FC236}">
+                  <a16:creationId xmlns:a16="http://schemas.microsoft.com/office/drawing/2014/main" id="{08520B37-03B3-459E-898E-120DDCBAA713}"/>
+                </a:ext>
+              </a:extLst>
+            </p:cNvPr>
+            <p:cNvPicPr>
+              <a:picLocks noChangeAspect="1"/>
+            </p:cNvPicPr>
+            <p:nvPr/>
+          </p:nvPicPr>
+          <p:blipFill>
+            <a:blip r:embed="rId6">
+              <a:extLst>
+                <a:ext uri="{28A0092B-C50C-407E-A947-70E740481C1C}">
+                  <a14:useLocalDpi xmlns:a14="http://schemas.microsoft.com/office/drawing/2010/main" val="0"/>
+                </a:ext>
+                <a:ext uri="{96DAC541-7B7A-43D3-8B79-37D633B846F1}">
+                  <asvg:svgBlip xmlns:asvg="http://schemas.microsoft.com/office/drawing/2016/SVG/main" r:embed="rId7"/>
+                </a:ext>
+              </a:extLst>
+            </a:blip>
+            <a:stretch>
+              <a:fillRect/>
+            </a:stretch>
+          </p:blipFill>
+          <p:spPr>
+            <a:xfrm>
+              <a:off x="6791323" y="4653333"/>
+              <a:ext cx="752070" cy="752070"/>
+            </a:xfrm>
+            <a:prstGeom prst="rect">
+              <a:avLst/>
+            </a:prstGeom>
+          </p:spPr>
+        </p:pic>
+        <p:pic>
+          <p:nvPicPr>
+            <p:cNvPr id="16" name="Graphic 15">
+              <a:extLst>
+                <a:ext uri="{FF2B5EF4-FFF2-40B4-BE49-F238E27FC236}">
+                  <a16:creationId xmlns:a16="http://schemas.microsoft.com/office/drawing/2014/main" id="{EFD3C971-60CF-48ED-BCC2-ABFDB8B14D66}"/>
+                </a:ext>
+              </a:extLst>
+            </p:cNvPr>
+            <p:cNvPicPr>
+              <a:picLocks noChangeAspect="1"/>
+            </p:cNvPicPr>
+            <p:nvPr/>
+          </p:nvPicPr>
+          <p:blipFill>
+            <a:blip r:embed="rId4">
+              <a:extLst>
+                <a:ext uri="{28A0092B-C50C-407E-A947-70E740481C1C}">
+                  <a14:useLocalDpi xmlns:a14="http://schemas.microsoft.com/office/drawing/2010/main" val="0"/>
+                </a:ext>
+                <a:ext uri="{96DAC541-7B7A-43D3-8B79-37D633B846F1}">
+                  <asvg:svgBlip xmlns:asvg="http://schemas.microsoft.com/office/drawing/2016/SVG/main" r:embed="rId5"/>
+                </a:ext>
+              </a:extLst>
+            </a:blip>
+            <a:stretch>
+              <a:fillRect/>
+            </a:stretch>
+          </p:blipFill>
+          <p:spPr>
+            <a:xfrm>
+              <a:off x="5385097" y="1482116"/>
+              <a:ext cx="752070" cy="752070"/>
+            </a:xfrm>
+            <a:prstGeom prst="rect">
+              <a:avLst/>
+            </a:prstGeom>
+          </p:spPr>
+        </p:pic>
+        <p:pic>
+          <p:nvPicPr>
+            <p:cNvPr id="17" name="Graphic 16">
+              <a:extLst>
+                <a:ext uri="{FF2B5EF4-FFF2-40B4-BE49-F238E27FC236}">
+                  <a16:creationId xmlns:a16="http://schemas.microsoft.com/office/drawing/2014/main" id="{E680C81E-9B82-4B52-9A78-6CC69ED7A418}"/>
+                </a:ext>
+              </a:extLst>
+            </p:cNvPr>
+            <p:cNvPicPr>
+              <a:picLocks noChangeAspect="1"/>
+            </p:cNvPicPr>
+            <p:nvPr/>
+          </p:nvPicPr>
+          <p:blipFill>
+            <a:blip r:embed="rId2">
+              <a:extLst>
+                <a:ext uri="{28A0092B-C50C-407E-A947-70E740481C1C}">
+                  <a14:useLocalDpi xmlns:a14="http://schemas.microsoft.com/office/drawing/2010/main" val="0"/>
+                </a:ext>
+                <a:ext uri="{96DAC541-7B7A-43D3-8B79-37D633B846F1}">
+                  <asvg:svgBlip xmlns:asvg="http://schemas.microsoft.com/office/drawing/2016/SVG/main" r:embed="rId3"/>
+                </a:ext>
+              </a:extLst>
+            </a:blip>
+            <a:stretch>
+              <a:fillRect/>
+            </a:stretch>
+          </p:blipFill>
+          <p:spPr>
+            <a:xfrm>
+              <a:off x="6791324" y="414302"/>
+              <a:ext cx="752070" cy="752070"/>
+            </a:xfrm>
+            <a:prstGeom prst="rect">
+              <a:avLst/>
+            </a:prstGeom>
+          </p:spPr>
+        </p:pic>
+        <p:pic>
+          <p:nvPicPr>
+            <p:cNvPr id="21" name="Graphic 20">
+              <a:extLst>
+                <a:ext uri="{FF2B5EF4-FFF2-40B4-BE49-F238E27FC236}">
+                  <a16:creationId xmlns:a16="http://schemas.microsoft.com/office/drawing/2014/main" id="{BB178C45-3223-4217-BB1F-B2D434A8A4F0}"/>
+                </a:ext>
+              </a:extLst>
+            </p:cNvPr>
+            <p:cNvPicPr>
+              <a:picLocks noChangeAspect="1"/>
+            </p:cNvPicPr>
+            <p:nvPr/>
+          </p:nvPicPr>
+          <p:blipFill>
+            <a:blip r:embed="rId8">
+              <a:extLst>
+                <a:ext uri="{28A0092B-C50C-407E-A947-70E740481C1C}">
+                  <a14:useLocalDpi xmlns:a14="http://schemas.microsoft.com/office/drawing/2010/main" val="0"/>
+                </a:ext>
+                <a:ext uri="{96DAC541-7B7A-43D3-8B79-37D633B846F1}">
+                  <asvg:svgBlip xmlns:asvg="http://schemas.microsoft.com/office/drawing/2016/SVG/main" r:embed="rId9"/>
+                </a:ext>
+              </a:extLst>
+            </a:blip>
+            <a:stretch>
+              <a:fillRect/>
+            </a:stretch>
+          </p:blipFill>
+          <p:spPr>
+            <a:xfrm>
+              <a:off x="8122062" y="3661112"/>
+              <a:ext cx="752069" cy="752069"/>
+            </a:xfrm>
+            <a:prstGeom prst="rect">
+              <a:avLst/>
+            </a:prstGeom>
+          </p:spPr>
+        </p:pic>
+        <p:pic>
+          <p:nvPicPr>
+            <p:cNvPr id="22" name="Graphic 21">
+              <a:extLst>
+                <a:ext uri="{FF2B5EF4-FFF2-40B4-BE49-F238E27FC236}">
+                  <a16:creationId xmlns:a16="http://schemas.microsoft.com/office/drawing/2014/main" id="{3522E102-DA6E-48D0-AAEB-43CE89A43E22}"/>
+                </a:ext>
+              </a:extLst>
+            </p:cNvPr>
+            <p:cNvPicPr>
+              <a:picLocks noChangeAspect="1"/>
+            </p:cNvPicPr>
+            <p:nvPr/>
+          </p:nvPicPr>
+          <p:blipFill>
+            <a:blip r:embed="rId8">
+              <a:extLst>
+                <a:ext uri="{28A0092B-C50C-407E-A947-70E740481C1C}">
+                  <a14:useLocalDpi xmlns:a14="http://schemas.microsoft.com/office/drawing/2010/main" val="0"/>
+                </a:ext>
+                <a:ext uri="{96DAC541-7B7A-43D3-8B79-37D633B846F1}">
+                  <asvg:svgBlip xmlns:asvg="http://schemas.microsoft.com/office/drawing/2016/SVG/main" r:embed="rId9"/>
+                </a:ext>
+              </a:extLst>
+            </a:blip>
+            <a:stretch>
+              <a:fillRect/>
+            </a:stretch>
+          </p:blipFill>
+          <p:spPr>
+            <a:xfrm>
+              <a:off x="5386415" y="3661112"/>
+              <a:ext cx="752069" cy="752069"/>
+            </a:xfrm>
+            <a:prstGeom prst="rect">
+              <a:avLst/>
+            </a:prstGeom>
+          </p:spPr>
+        </p:pic>
+        <p:sp>
+          <p:nvSpPr>
+            <p:cNvPr id="25" name="TextBox 24">
+              <a:extLst>
+                <a:ext uri="{FF2B5EF4-FFF2-40B4-BE49-F238E27FC236}">
+                  <a16:creationId xmlns:a16="http://schemas.microsoft.com/office/drawing/2014/main" id="{37137919-CF8D-46E0-A4C5-2B8A6C29C982}"/>
+                </a:ext>
+              </a:extLst>
+            </p:cNvPr>
+            <p:cNvSpPr txBox="1"/>
+            <p:nvPr/>
+          </p:nvSpPr>
+          <p:spPr>
+            <a:xfrm>
+              <a:off x="5278211" y="2237720"/>
+              <a:ext cx="1000762" cy="353809"/>
+            </a:xfrm>
+            <a:prstGeom prst="rect">
+              <a:avLst/>
+            </a:prstGeom>
+            <a:noFill/>
+          </p:spPr>
+          <p:txBody>
+            <a:bodyPr wrap="none" rtlCol="0">
+              <a:spAutoFit/>
+            </a:bodyPr>
+            <a:lstStyle/>
+            <a:p>
+              <a:r>
+                <a:rPr lang="en-IE" sz="1400" dirty="0"/>
+                <a:t>WebVM1</a:t>
+              </a:r>
+            </a:p>
+          </p:txBody>
+        </p:sp>
+        <p:sp>
+          <p:nvSpPr>
+            <p:cNvPr id="26" name="TextBox 25">
+              <a:extLst>
+                <a:ext uri="{FF2B5EF4-FFF2-40B4-BE49-F238E27FC236}">
+                  <a16:creationId xmlns:a16="http://schemas.microsoft.com/office/drawing/2014/main" id="{8AC522BB-EC4C-45FE-B2B7-2FE071E57DE2}"/>
+                </a:ext>
+              </a:extLst>
+            </p:cNvPr>
+            <p:cNvSpPr txBox="1"/>
+            <p:nvPr/>
+          </p:nvSpPr>
+          <p:spPr>
+            <a:xfrm>
+              <a:off x="8015175" y="2217264"/>
+              <a:ext cx="1000762" cy="353809"/>
+            </a:xfrm>
+            <a:prstGeom prst="rect">
+              <a:avLst/>
+            </a:prstGeom>
+            <a:noFill/>
+          </p:spPr>
+          <p:txBody>
+            <a:bodyPr wrap="none" rtlCol="0">
+              <a:spAutoFit/>
+            </a:bodyPr>
+            <a:lstStyle/>
+            <a:p>
+              <a:r>
+                <a:rPr lang="en-IE" sz="1400" dirty="0"/>
+                <a:t>WebVM2</a:t>
+              </a:r>
+            </a:p>
+          </p:txBody>
+        </p:sp>
+        <p:sp>
+          <p:nvSpPr>
+            <p:cNvPr id="27" name="TextBox 26">
+              <a:extLst>
+                <a:ext uri="{FF2B5EF4-FFF2-40B4-BE49-F238E27FC236}">
+                  <a16:creationId xmlns:a16="http://schemas.microsoft.com/office/drawing/2014/main" id="{4802B331-2D8C-41E4-9E14-758E2159942E}"/>
+                </a:ext>
+              </a:extLst>
+            </p:cNvPr>
+            <p:cNvSpPr txBox="1"/>
+            <p:nvPr/>
+          </p:nvSpPr>
+          <p:spPr>
+            <a:xfrm>
+              <a:off x="5323573" y="4413181"/>
+              <a:ext cx="916143" cy="353809"/>
+            </a:xfrm>
+            <a:prstGeom prst="rect">
+              <a:avLst/>
+            </a:prstGeom>
+            <a:noFill/>
+          </p:spPr>
+          <p:txBody>
+            <a:bodyPr wrap="none" rtlCol="0">
+              <a:spAutoFit/>
+            </a:bodyPr>
+            <a:lstStyle/>
+            <a:p>
+              <a:r>
+                <a:rPr lang="en-IE" sz="1400" dirty="0"/>
+                <a:t>SQLVM1</a:t>
+              </a:r>
+            </a:p>
+          </p:txBody>
+        </p:sp>
+        <p:sp>
+          <p:nvSpPr>
+            <p:cNvPr id="28" name="TextBox 27">
+              <a:extLst>
+                <a:ext uri="{FF2B5EF4-FFF2-40B4-BE49-F238E27FC236}">
+                  <a16:creationId xmlns:a16="http://schemas.microsoft.com/office/drawing/2014/main" id="{B1594EEA-C839-446C-92F7-9566DBC58A16}"/>
+                </a:ext>
+              </a:extLst>
+            </p:cNvPr>
+            <p:cNvSpPr txBox="1"/>
+            <p:nvPr/>
+          </p:nvSpPr>
+          <p:spPr>
+            <a:xfrm>
+              <a:off x="8060537" y="4392725"/>
+              <a:ext cx="916143" cy="353809"/>
+            </a:xfrm>
+            <a:prstGeom prst="rect">
+              <a:avLst/>
+            </a:prstGeom>
+            <a:noFill/>
+          </p:spPr>
+          <p:txBody>
+            <a:bodyPr wrap="none" rtlCol="0">
+              <a:spAutoFit/>
+            </a:bodyPr>
+            <a:lstStyle/>
+            <a:p>
+              <a:r>
+                <a:rPr lang="en-IE" sz="1400" dirty="0"/>
+                <a:t>SQLVM2</a:t>
+              </a:r>
+            </a:p>
+          </p:txBody>
+        </p:sp>
+        <p:sp>
+          <p:nvSpPr>
+            <p:cNvPr id="29" name="TextBox 28">
+              <a:extLst>
+                <a:ext uri="{FF2B5EF4-FFF2-40B4-BE49-F238E27FC236}">
+                  <a16:creationId xmlns:a16="http://schemas.microsoft.com/office/drawing/2014/main" id="{4E790FCE-AB9E-46E2-8FCC-C1B97D2F2B27}"/>
+                </a:ext>
+              </a:extLst>
+            </p:cNvPr>
+            <p:cNvSpPr txBox="1"/>
+            <p:nvPr/>
+          </p:nvSpPr>
+          <p:spPr>
+            <a:xfrm>
+              <a:off x="6728409" y="5334311"/>
+              <a:ext cx="888577" cy="601474"/>
+            </a:xfrm>
+            <a:prstGeom prst="rect">
+              <a:avLst/>
+            </a:prstGeom>
+            <a:noFill/>
+          </p:spPr>
+          <p:txBody>
+            <a:bodyPr wrap="none" rtlCol="0">
+              <a:spAutoFit/>
+            </a:bodyPr>
+            <a:lstStyle/>
+            <a:p>
+              <a:pPr algn="ctr"/>
+              <a:r>
+                <a:rPr lang="en-IE" sz="1400" dirty="0"/>
+                <a:t>Cloud</a:t>
+              </a:r>
+            </a:p>
+            <a:p>
+              <a:pPr algn="ctr"/>
+              <a:r>
+                <a:rPr lang="en-IE" sz="1400" dirty="0"/>
+                <a:t>Witness</a:t>
+              </a:r>
+            </a:p>
+          </p:txBody>
+        </p:sp>
+        <p:cxnSp>
+          <p:nvCxnSpPr>
+            <p:cNvPr id="31" name="Straight Arrow Connector 30">
+              <a:extLst>
+                <a:ext uri="{FF2B5EF4-FFF2-40B4-BE49-F238E27FC236}">
+                  <a16:creationId xmlns:a16="http://schemas.microsoft.com/office/drawing/2014/main" id="{8FC88046-A597-41E1-9390-FD14D608357C}"/>
+                </a:ext>
+              </a:extLst>
+            </p:cNvPr>
+            <p:cNvCxnSpPr>
+              <a:cxnSpLocks/>
+            </p:cNvCxnSpPr>
+            <p:nvPr/>
+          </p:nvCxnSpPr>
+          <p:spPr>
+            <a:xfrm flipH="1">
+              <a:off x="6244053" y="1003432"/>
+              <a:ext cx="661724" cy="399167"/>
+            </a:xfrm>
+            <a:prstGeom prst="straightConnector1">
+              <a:avLst/>
+            </a:prstGeom>
+            <a:ln w="19050">
+              <a:solidFill>
+                <a:schemeClr val="tx1"/>
+              </a:solidFill>
+              <a:tailEnd type="triangle" w="lg" len="lg"/>
+            </a:ln>
+          </p:spPr>
+          <p:style>
+            <a:lnRef idx="1">
+              <a:schemeClr val="accent1"/>
+            </a:lnRef>
+            <a:fillRef idx="0">
+              <a:schemeClr val="accent1"/>
+            </a:fillRef>
+            <a:effectRef idx="0">
+              <a:schemeClr val="accent1"/>
+            </a:effectRef>
+            <a:fontRef idx="minor">
+              <a:schemeClr val="tx1"/>
+            </a:fontRef>
+          </p:style>
+        </p:cxnSp>
+        <p:cxnSp>
+          <p:nvCxnSpPr>
+            <p:cNvPr id="34" name="Straight Arrow Connector 33">
+              <a:extLst>
+                <a:ext uri="{FF2B5EF4-FFF2-40B4-BE49-F238E27FC236}">
+                  <a16:creationId xmlns:a16="http://schemas.microsoft.com/office/drawing/2014/main" id="{F4BD655D-E61C-43DB-B91B-7BF7ED0E12A9}"/>
+                </a:ext>
+              </a:extLst>
+            </p:cNvPr>
+            <p:cNvCxnSpPr>
+              <a:cxnSpLocks/>
+            </p:cNvCxnSpPr>
+            <p:nvPr/>
+          </p:nvCxnSpPr>
+          <p:spPr>
+            <a:xfrm>
+              <a:off x="7428942" y="1003432"/>
+              <a:ext cx="586233" cy="432335"/>
+            </a:xfrm>
+            <a:prstGeom prst="straightConnector1">
+              <a:avLst/>
+            </a:prstGeom>
+            <a:ln w="19050">
+              <a:solidFill>
+                <a:schemeClr val="tx1"/>
+              </a:solidFill>
+              <a:tailEnd type="triangle" w="lg" len="lg"/>
+            </a:ln>
+          </p:spPr>
+          <p:style>
+            <a:lnRef idx="1">
+              <a:schemeClr val="accent1"/>
+            </a:lnRef>
+            <a:fillRef idx="0">
+              <a:schemeClr val="accent1"/>
+            </a:fillRef>
+            <a:effectRef idx="0">
+              <a:schemeClr val="accent1"/>
+            </a:effectRef>
+            <a:fontRef idx="minor">
+              <a:schemeClr val="tx1"/>
+            </a:fontRef>
+          </p:style>
+        </p:cxnSp>
+        <p:cxnSp>
+          <p:nvCxnSpPr>
+            <p:cNvPr id="39" name="Straight Arrow Connector 38">
+              <a:extLst>
+                <a:ext uri="{FF2B5EF4-FFF2-40B4-BE49-F238E27FC236}">
+                  <a16:creationId xmlns:a16="http://schemas.microsoft.com/office/drawing/2014/main" id="{28087E7E-5387-42DF-894B-18789D4BBC04}"/>
+                </a:ext>
+              </a:extLst>
+            </p:cNvPr>
+            <p:cNvCxnSpPr>
+              <a:cxnSpLocks/>
+            </p:cNvCxnSpPr>
+            <p:nvPr/>
+          </p:nvCxnSpPr>
+          <p:spPr>
+            <a:xfrm flipH="1">
+              <a:off x="6200009" y="3225969"/>
+              <a:ext cx="685385" cy="416957"/>
+            </a:xfrm>
+            <a:prstGeom prst="straightConnector1">
+              <a:avLst/>
+            </a:prstGeom>
+            <a:ln w="19050">
+              <a:solidFill>
+                <a:schemeClr val="tx1"/>
+              </a:solidFill>
+              <a:tailEnd type="triangle" w="lg" len="lg"/>
+            </a:ln>
+          </p:spPr>
+          <p:style>
+            <a:lnRef idx="1">
+              <a:schemeClr val="accent1"/>
+            </a:lnRef>
+            <a:fillRef idx="0">
+              <a:schemeClr val="accent1"/>
+            </a:fillRef>
+            <a:effectRef idx="0">
+              <a:schemeClr val="accent1"/>
+            </a:effectRef>
+            <a:fontRef idx="minor">
+              <a:schemeClr val="tx1"/>
+            </a:fontRef>
+          </p:style>
+        </p:cxnSp>
+        <p:cxnSp>
+          <p:nvCxnSpPr>
+            <p:cNvPr id="40" name="Straight Arrow Connector 39">
+              <a:extLst>
+                <a:ext uri="{FF2B5EF4-FFF2-40B4-BE49-F238E27FC236}">
+                  <a16:creationId xmlns:a16="http://schemas.microsoft.com/office/drawing/2014/main" id="{D0B67BFA-5CAF-4F6D-B801-7E6863AF87C0}"/>
+                </a:ext>
+              </a:extLst>
+            </p:cNvPr>
+            <p:cNvCxnSpPr>
+              <a:cxnSpLocks/>
+            </p:cNvCxnSpPr>
+            <p:nvPr/>
+          </p:nvCxnSpPr>
+          <p:spPr>
+            <a:xfrm>
+              <a:off x="7408559" y="3225969"/>
+              <a:ext cx="606616" cy="444464"/>
+            </a:xfrm>
+            <a:prstGeom prst="straightConnector1">
+              <a:avLst/>
+            </a:prstGeom>
+            <a:ln w="19050">
+              <a:solidFill>
+                <a:schemeClr val="tx1"/>
+              </a:solidFill>
+              <a:tailEnd type="triangle" w="lg" len="lg"/>
+            </a:ln>
+          </p:spPr>
+          <p:style>
+            <a:lnRef idx="1">
+              <a:schemeClr val="accent1"/>
+            </a:lnRef>
+            <a:fillRef idx="0">
+              <a:schemeClr val="accent1"/>
+            </a:fillRef>
+            <a:effectRef idx="0">
+              <a:schemeClr val="accent1"/>
+            </a:effectRef>
+            <a:fontRef idx="minor">
+              <a:schemeClr val="tx1"/>
+            </a:fontRef>
+          </p:style>
+        </p:cxnSp>
+        <p:cxnSp>
+          <p:nvCxnSpPr>
+            <p:cNvPr id="41" name="Straight Arrow Connector 40">
+              <a:extLst>
+                <a:ext uri="{FF2B5EF4-FFF2-40B4-BE49-F238E27FC236}">
+                  <a16:creationId xmlns:a16="http://schemas.microsoft.com/office/drawing/2014/main" id="{FC5A7589-0B09-462C-A3CC-D2312517BF68}"/>
+                </a:ext>
+              </a:extLst>
+            </p:cNvPr>
+            <p:cNvCxnSpPr>
+              <a:cxnSpLocks/>
+            </p:cNvCxnSpPr>
+            <p:nvPr/>
+          </p:nvCxnSpPr>
+          <p:spPr>
+            <a:xfrm>
+              <a:off x="6307767" y="2193261"/>
+              <a:ext cx="577626" cy="483715"/>
+            </a:xfrm>
+            <a:prstGeom prst="straightConnector1">
+              <a:avLst/>
+            </a:prstGeom>
+            <a:ln w="19050">
+              <a:solidFill>
+                <a:schemeClr val="tx1"/>
+              </a:solidFill>
+              <a:tailEnd type="triangle" w="lg" len="lg"/>
+            </a:ln>
+          </p:spPr>
+          <p:style>
+            <a:lnRef idx="1">
+              <a:schemeClr val="accent1"/>
+            </a:lnRef>
+            <a:fillRef idx="0">
+              <a:schemeClr val="accent1"/>
+            </a:fillRef>
+            <a:effectRef idx="0">
+              <a:schemeClr val="accent1"/>
+            </a:effectRef>
+            <a:fontRef idx="minor">
+              <a:schemeClr val="tx1"/>
+            </a:fontRef>
+          </p:style>
+        </p:cxnSp>
+        <p:cxnSp>
+          <p:nvCxnSpPr>
+            <p:cNvPr id="42" name="Straight Arrow Connector 41">
+              <a:extLst>
+                <a:ext uri="{FF2B5EF4-FFF2-40B4-BE49-F238E27FC236}">
+                  <a16:creationId xmlns:a16="http://schemas.microsoft.com/office/drawing/2014/main" id="{DC49F558-EC9B-479D-895F-C3B207EFB497}"/>
+                </a:ext>
+              </a:extLst>
+            </p:cNvPr>
+            <p:cNvCxnSpPr>
+              <a:cxnSpLocks/>
+            </p:cNvCxnSpPr>
+            <p:nvPr/>
+          </p:nvCxnSpPr>
+          <p:spPr>
+            <a:xfrm flipH="1">
+              <a:off x="7405465" y="2234185"/>
+              <a:ext cx="609710" cy="440733"/>
+            </a:xfrm>
+            <a:prstGeom prst="straightConnector1">
+              <a:avLst/>
+            </a:prstGeom>
+            <a:ln w="19050">
+              <a:solidFill>
+                <a:schemeClr val="tx1"/>
+              </a:solidFill>
+              <a:tailEnd type="triangle" w="lg" len="lg"/>
+            </a:ln>
+          </p:spPr>
+          <p:style>
+            <a:lnRef idx="1">
+              <a:schemeClr val="accent1"/>
+            </a:lnRef>
+            <a:fillRef idx="0">
+              <a:schemeClr val="accent1"/>
+            </a:fillRef>
+            <a:effectRef idx="0">
+              <a:schemeClr val="accent1"/>
+            </a:effectRef>
+            <a:fontRef idx="minor">
+              <a:schemeClr val="tx1"/>
+            </a:fontRef>
+          </p:style>
+        </p:cxnSp>
+        <p:cxnSp>
+          <p:nvCxnSpPr>
+            <p:cNvPr id="43" name="Straight Arrow Connector 42">
+              <a:extLst>
+                <a:ext uri="{FF2B5EF4-FFF2-40B4-BE49-F238E27FC236}">
+                  <a16:creationId xmlns:a16="http://schemas.microsoft.com/office/drawing/2014/main" id="{ABEBAB9E-D58C-4E3F-9FFB-F360AC1ED605}"/>
+                </a:ext>
+              </a:extLst>
+            </p:cNvPr>
+            <p:cNvCxnSpPr>
+              <a:cxnSpLocks/>
+            </p:cNvCxnSpPr>
+            <p:nvPr/>
+          </p:nvCxnSpPr>
+          <p:spPr>
+            <a:xfrm flipH="1">
+              <a:off x="7348136" y="4173749"/>
+              <a:ext cx="504845" cy="432335"/>
+            </a:xfrm>
+            <a:prstGeom prst="straightConnector1">
+              <a:avLst/>
+            </a:prstGeom>
+            <a:ln w="19050">
+              <a:solidFill>
+                <a:srgbClr val="C00000"/>
+              </a:solidFill>
+              <a:headEnd type="triangle" w="lg" len="lg"/>
+              <a:tailEnd type="triangle" w="lg" len="lg"/>
+            </a:ln>
+          </p:spPr>
+          <p:style>
+            <a:lnRef idx="1">
+              <a:schemeClr val="accent1"/>
+            </a:lnRef>
+            <a:fillRef idx="0">
+              <a:schemeClr val="accent1"/>
+            </a:fillRef>
+            <a:effectRef idx="0">
+              <a:schemeClr val="accent1"/>
+            </a:effectRef>
+            <a:fontRef idx="minor">
+              <a:schemeClr val="tx1"/>
+            </a:fontRef>
+          </p:style>
+        </p:cxnSp>
+        <p:cxnSp>
+          <p:nvCxnSpPr>
+            <p:cNvPr id="45" name="Straight Arrow Connector 44">
+              <a:extLst>
+                <a:ext uri="{FF2B5EF4-FFF2-40B4-BE49-F238E27FC236}">
+                  <a16:creationId xmlns:a16="http://schemas.microsoft.com/office/drawing/2014/main" id="{01E9D3B6-FAF4-4907-B35A-73216A7470A6}"/>
+                </a:ext>
+              </a:extLst>
+            </p:cNvPr>
+            <p:cNvCxnSpPr>
+              <a:cxnSpLocks/>
+            </p:cNvCxnSpPr>
+            <p:nvPr/>
+          </p:nvCxnSpPr>
+          <p:spPr>
+            <a:xfrm>
+              <a:off x="6436553" y="4213890"/>
+              <a:ext cx="557519" cy="368568"/>
+            </a:xfrm>
+            <a:prstGeom prst="straightConnector1">
+              <a:avLst/>
+            </a:prstGeom>
+            <a:ln w="19050">
+              <a:solidFill>
+                <a:srgbClr val="C00000"/>
+              </a:solidFill>
+              <a:headEnd type="triangle" w="lg" len="lg"/>
+              <a:tailEnd type="triangle" w="lg" len="lg"/>
+            </a:ln>
+          </p:spPr>
+          <p:style>
+            <a:lnRef idx="1">
+              <a:schemeClr val="accent1"/>
+            </a:lnRef>
+            <a:fillRef idx="0">
+              <a:schemeClr val="accent1"/>
+            </a:fillRef>
+            <a:effectRef idx="0">
+              <a:schemeClr val="accent1"/>
+            </a:effectRef>
+            <a:fontRef idx="minor">
+              <a:schemeClr val="tx1"/>
+            </a:fontRef>
+          </p:style>
+        </p:cxnSp>
+        <p:cxnSp>
+          <p:nvCxnSpPr>
+            <p:cNvPr id="47" name="Straight Arrow Connector 46">
+              <a:extLst>
+                <a:ext uri="{FF2B5EF4-FFF2-40B4-BE49-F238E27FC236}">
+                  <a16:creationId xmlns:a16="http://schemas.microsoft.com/office/drawing/2014/main" id="{7C12EC73-DD6C-483E-BC37-BB4324B7FE9F}"/>
+                </a:ext>
+              </a:extLst>
+            </p:cNvPr>
+            <p:cNvCxnSpPr>
+              <a:cxnSpLocks/>
+            </p:cNvCxnSpPr>
+            <p:nvPr/>
+          </p:nvCxnSpPr>
+          <p:spPr>
+            <a:xfrm flipH="1">
+              <a:off x="6465550" y="3894531"/>
+              <a:ext cx="1314195" cy="0"/>
+            </a:xfrm>
+            <a:prstGeom prst="straightConnector1">
+              <a:avLst/>
+            </a:prstGeom>
+            <a:ln w="19050">
+              <a:solidFill>
+                <a:srgbClr val="C00000"/>
+              </a:solidFill>
+              <a:headEnd type="triangle" w="lg" len="lg"/>
+              <a:tailEnd type="triangle" w="lg" len="lg"/>
+            </a:ln>
+          </p:spPr>
+          <p:style>
+            <a:lnRef idx="1">
+              <a:schemeClr val="accent1"/>
+            </a:lnRef>
+            <a:fillRef idx="0">
+              <a:schemeClr val="accent1"/>
+            </a:fillRef>
+            <a:effectRef idx="0">
+              <a:schemeClr val="accent1"/>
+            </a:effectRef>
+            <a:fontRef idx="minor">
+              <a:schemeClr val="tx1"/>
+            </a:fontRef>
+          </p:style>
+        </p:cxnSp>
+        <p:sp>
+          <p:nvSpPr>
+            <p:cNvPr id="49" name="TextBox 48">
+              <a:extLst>
+                <a:ext uri="{FF2B5EF4-FFF2-40B4-BE49-F238E27FC236}">
+                  <a16:creationId xmlns:a16="http://schemas.microsoft.com/office/drawing/2014/main" id="{95C7AC02-745C-484D-BF44-055B86869D95}"/>
+                </a:ext>
+              </a:extLst>
+            </p:cNvPr>
+            <p:cNvSpPr txBox="1"/>
+            <p:nvPr/>
+          </p:nvSpPr>
+          <p:spPr>
+            <a:xfrm>
+              <a:off x="6660720" y="3616180"/>
+              <a:ext cx="988084" cy="663391"/>
+            </a:xfrm>
+            <a:prstGeom prst="rect">
+              <a:avLst/>
+            </a:prstGeom>
+            <a:noFill/>
+          </p:spPr>
+          <p:txBody>
+            <a:bodyPr wrap="none" rtlCol="0">
+              <a:spAutoFit/>
+            </a:bodyPr>
+            <a:lstStyle/>
+            <a:p>
+              <a:pPr algn="ctr"/>
+              <a:r>
+                <a:rPr lang="en-IE" sz="1050" dirty="0" err="1">
+                  <a:solidFill>
+                    <a:srgbClr val="C00000"/>
+                  </a:solidFill>
+                  <a:latin typeface="Segoe UI Semibold" panose="020B0702040204020203" pitchFamily="34" charset="0"/>
+                  <a:cs typeface="Segoe UI Semibold" panose="020B0702040204020203" pitchFamily="34" charset="0"/>
+                </a:rPr>
+                <a:t>AlwaysOn</a:t>
+              </a:r>
+              <a:br>
+                <a:rPr lang="en-IE" sz="1050" dirty="0">
+                  <a:solidFill>
+                    <a:srgbClr val="C00000"/>
+                  </a:solidFill>
+                  <a:latin typeface="Segoe UI Semibold" panose="020B0702040204020203" pitchFamily="34" charset="0"/>
+                  <a:cs typeface="Segoe UI Semibold" panose="020B0702040204020203" pitchFamily="34" charset="0"/>
+                </a:rPr>
+              </a:br>
+              <a:r>
+                <a:rPr lang="en-IE" sz="1050" dirty="0">
+                  <a:solidFill>
+                    <a:srgbClr val="C00000"/>
+                  </a:solidFill>
+                  <a:latin typeface="Segoe UI Semibold" panose="020B0702040204020203" pitchFamily="34" charset="0"/>
+                  <a:cs typeface="Segoe UI Semibold" panose="020B0702040204020203" pitchFamily="34" charset="0"/>
+                </a:rPr>
+                <a:t>Availability</a:t>
+              </a:r>
+              <a:br>
+                <a:rPr lang="en-IE" sz="1050" dirty="0">
+                  <a:solidFill>
+                    <a:srgbClr val="C00000"/>
+                  </a:solidFill>
+                  <a:latin typeface="Segoe UI Semibold" panose="020B0702040204020203" pitchFamily="34" charset="0"/>
+                  <a:cs typeface="Segoe UI Semibold" panose="020B0702040204020203" pitchFamily="34" charset="0"/>
+                </a:rPr>
+              </a:br>
+              <a:r>
+                <a:rPr lang="en-IE" sz="1050" dirty="0">
+                  <a:solidFill>
+                    <a:srgbClr val="C00000"/>
+                  </a:solidFill>
+                  <a:latin typeface="Segoe UI Semibold" panose="020B0702040204020203" pitchFamily="34" charset="0"/>
+                  <a:cs typeface="Segoe UI Semibold" panose="020B0702040204020203" pitchFamily="34" charset="0"/>
+                </a:rPr>
+                <a:t>Group</a:t>
+              </a:r>
+            </a:p>
+          </p:txBody>
+        </p:sp>
+        <p:pic>
+          <p:nvPicPr>
+            <p:cNvPr id="62" name="Graphic 61">
+              <a:extLst>
+                <a:ext uri="{FF2B5EF4-FFF2-40B4-BE49-F238E27FC236}">
+                  <a16:creationId xmlns:a16="http://schemas.microsoft.com/office/drawing/2014/main" id="{7FB1BAE5-CFEE-4A7A-830C-2C298EDD9529}"/>
+                </a:ext>
+              </a:extLst>
+            </p:cNvPr>
+            <p:cNvPicPr>
+              <a:picLocks noChangeAspect="1"/>
+            </p:cNvPicPr>
+            <p:nvPr/>
+          </p:nvPicPr>
+          <p:blipFill>
+            <a:blip r:embed="rId4">
+              <a:extLst>
+                <a:ext uri="{28A0092B-C50C-407E-A947-70E740481C1C}">
+                  <a14:useLocalDpi xmlns:a14="http://schemas.microsoft.com/office/drawing/2010/main" val="0"/>
+                </a:ext>
+                <a:ext uri="{96DAC541-7B7A-43D3-8B79-37D633B846F1}">
+                  <asvg:svgBlip xmlns:asvg="http://schemas.microsoft.com/office/drawing/2016/SVG/main" r:embed="rId5"/>
+                </a:ext>
+              </a:extLst>
+            </a:blip>
+            <a:stretch>
+              <a:fillRect/>
+            </a:stretch>
+          </p:blipFill>
+          <p:spPr>
+            <a:xfrm>
+              <a:off x="5385097" y="5666240"/>
+              <a:ext cx="752070" cy="752070"/>
+            </a:xfrm>
+            <a:prstGeom prst="rect">
+              <a:avLst/>
+            </a:prstGeom>
+          </p:spPr>
+        </p:pic>
+        <p:pic>
+          <p:nvPicPr>
+            <p:cNvPr id="63" name="Graphic 62">
+              <a:extLst>
+                <a:ext uri="{FF2B5EF4-FFF2-40B4-BE49-F238E27FC236}">
+                  <a16:creationId xmlns:a16="http://schemas.microsoft.com/office/drawing/2014/main" id="{EC8D86FB-FE52-4191-B013-32479DB3B261}"/>
+                </a:ext>
+              </a:extLst>
+            </p:cNvPr>
+            <p:cNvPicPr>
+              <a:picLocks noChangeAspect="1"/>
+            </p:cNvPicPr>
+            <p:nvPr/>
+          </p:nvPicPr>
+          <p:blipFill>
+            <a:blip r:embed="rId4">
+              <a:extLst>
+                <a:ext uri="{28A0092B-C50C-407E-A947-70E740481C1C}">
+                  <a14:useLocalDpi xmlns:a14="http://schemas.microsoft.com/office/drawing/2010/main" val="0"/>
+                </a:ext>
+                <a:ext uri="{96DAC541-7B7A-43D3-8B79-37D633B846F1}">
+                  <asvg:svgBlip xmlns:asvg="http://schemas.microsoft.com/office/drawing/2016/SVG/main" r:embed="rId5"/>
+                </a:ext>
+              </a:extLst>
+            </a:blip>
+            <a:stretch>
+              <a:fillRect/>
+            </a:stretch>
+          </p:blipFill>
+          <p:spPr>
+            <a:xfrm>
+              <a:off x="8122061" y="5666240"/>
+              <a:ext cx="752070" cy="752070"/>
+            </a:xfrm>
+            <a:prstGeom prst="rect">
+              <a:avLst/>
+            </a:prstGeom>
+          </p:spPr>
+        </p:pic>
+        <p:sp>
+          <p:nvSpPr>
+            <p:cNvPr id="64" name="TextBox 63">
+              <a:extLst>
+                <a:ext uri="{FF2B5EF4-FFF2-40B4-BE49-F238E27FC236}">
+                  <a16:creationId xmlns:a16="http://schemas.microsoft.com/office/drawing/2014/main" id="{D7CEBB27-DA8F-4B26-9AE2-371753F5987E}"/>
+                </a:ext>
+              </a:extLst>
+            </p:cNvPr>
+            <p:cNvSpPr txBox="1"/>
+            <p:nvPr/>
+          </p:nvSpPr>
+          <p:spPr>
+            <a:xfrm>
+              <a:off x="5353007" y="6340593"/>
+              <a:ext cx="849878" cy="353809"/>
+            </a:xfrm>
+            <a:prstGeom prst="rect">
+              <a:avLst/>
+            </a:prstGeom>
+            <a:noFill/>
+          </p:spPr>
+          <p:txBody>
+            <a:bodyPr wrap="none" rtlCol="0">
+              <a:spAutoFit/>
+            </a:bodyPr>
+            <a:lstStyle/>
+            <a:p>
+              <a:r>
+                <a:rPr lang="en-IE" sz="1400" dirty="0"/>
+                <a:t>DCVM1</a:t>
+              </a:r>
+            </a:p>
+          </p:txBody>
+        </p:sp>
+        <p:sp>
+          <p:nvSpPr>
+            <p:cNvPr id="65" name="TextBox 64">
+              <a:extLst>
+                <a:ext uri="{FF2B5EF4-FFF2-40B4-BE49-F238E27FC236}">
+                  <a16:creationId xmlns:a16="http://schemas.microsoft.com/office/drawing/2014/main" id="{304A82C3-B2E7-4B47-AC46-5ADA895DE4EA}"/>
+                </a:ext>
+              </a:extLst>
+            </p:cNvPr>
+            <p:cNvSpPr txBox="1"/>
+            <p:nvPr/>
+          </p:nvSpPr>
+          <p:spPr>
+            <a:xfrm>
+              <a:off x="8089971" y="6340593"/>
+              <a:ext cx="849878" cy="353809"/>
+            </a:xfrm>
+            <a:prstGeom prst="rect">
+              <a:avLst/>
+            </a:prstGeom>
+            <a:noFill/>
+          </p:spPr>
+          <p:txBody>
+            <a:bodyPr wrap="none" rtlCol="0">
+              <a:spAutoFit/>
+            </a:bodyPr>
+            <a:lstStyle/>
+            <a:p>
+              <a:r>
+                <a:rPr lang="en-IE" sz="1400" dirty="0"/>
+                <a:t>DCVM2</a:t>
+              </a:r>
+            </a:p>
+          </p:txBody>
+        </p:sp>
+        <p:sp>
+          <p:nvSpPr>
+            <p:cNvPr id="68" name="Isosceles Triangle 67">
+              <a:extLst>
+                <a:ext uri="{FF2B5EF4-FFF2-40B4-BE49-F238E27FC236}">
+                  <a16:creationId xmlns:a16="http://schemas.microsoft.com/office/drawing/2014/main" id="{33AF24ED-1967-4072-AD44-E9E88AD15A0D}"/>
+                </a:ext>
+              </a:extLst>
+            </p:cNvPr>
+            <p:cNvSpPr/>
+            <p:nvPr/>
+          </p:nvSpPr>
+          <p:spPr>
+            <a:xfrm>
+              <a:off x="5869319" y="5935787"/>
+              <a:ext cx="374865" cy="338555"/>
+            </a:xfrm>
+            <a:prstGeom prst="triangle">
+              <a:avLst/>
+            </a:prstGeom>
+            <a:solidFill>
+              <a:srgbClr val="50E6FF"/>
+            </a:solidFill>
+            <a:ln>
+              <a:noFill/>
+            </a:ln>
+          </p:spPr>
+          <p:style>
+            <a:lnRef idx="2">
+              <a:schemeClr val="accent1">
+                <a:shade val="50000"/>
+              </a:schemeClr>
+            </a:lnRef>
+            <a:fillRef idx="1">
+              <a:schemeClr val="accent1"/>
+            </a:fillRef>
+            <a:effectRef idx="0">
+              <a:schemeClr val="accent1"/>
+            </a:effectRef>
+            <a:fontRef idx="minor">
+              <a:schemeClr val="lt1"/>
+            </a:fontRef>
+          </p:style>
+          <p:txBody>
+            <a:bodyPr rtlCol="0" anchor="ctr"/>
+            <a:lstStyle/>
+            <a:p>
+              <a:pPr algn="ctr"/>
+              <a:endParaRPr lang="en-IE" sz="1600"/>
+            </a:p>
+          </p:txBody>
+        </p:sp>
+        <p:sp>
+          <p:nvSpPr>
+            <p:cNvPr id="69" name="Isosceles Triangle 68">
+              <a:extLst>
+                <a:ext uri="{FF2B5EF4-FFF2-40B4-BE49-F238E27FC236}">
+                  <a16:creationId xmlns:a16="http://schemas.microsoft.com/office/drawing/2014/main" id="{36F37919-38D1-44D1-8332-B7F4261EE6DF}"/>
+                </a:ext>
+              </a:extLst>
+            </p:cNvPr>
+            <p:cNvSpPr/>
+            <p:nvPr/>
+          </p:nvSpPr>
+          <p:spPr>
+            <a:xfrm>
+              <a:off x="8606152" y="5935786"/>
+              <a:ext cx="374865" cy="338555"/>
+            </a:xfrm>
+            <a:prstGeom prst="triangle">
+              <a:avLst/>
+            </a:prstGeom>
+            <a:solidFill>
+              <a:srgbClr val="50E6FF"/>
+            </a:solidFill>
+            <a:ln>
+              <a:noFill/>
+            </a:ln>
+          </p:spPr>
+          <p:style>
+            <a:lnRef idx="2">
+              <a:schemeClr val="accent1">
+                <a:shade val="50000"/>
+              </a:schemeClr>
+            </a:lnRef>
+            <a:fillRef idx="1">
+              <a:schemeClr val="accent1"/>
+            </a:fillRef>
+            <a:effectRef idx="0">
+              <a:schemeClr val="accent1"/>
+            </a:effectRef>
+            <a:fontRef idx="minor">
+              <a:schemeClr val="lt1"/>
+            </a:fontRef>
+          </p:style>
+          <p:txBody>
+            <a:bodyPr rtlCol="0" anchor="ctr"/>
+            <a:lstStyle/>
+            <a:p>
+              <a:pPr algn="ctr"/>
+              <a:endParaRPr lang="en-IE" sz="1600"/>
+            </a:p>
+          </p:txBody>
+        </p:sp>
+      </p:grpSp>
+      <p:sp>
+        <p:nvSpPr>
+          <p:cNvPr id="35" name="Rectangle 34">
+            <a:extLst>
+              <a:ext uri="{FF2B5EF4-FFF2-40B4-BE49-F238E27FC236}">
+                <a16:creationId xmlns:a16="http://schemas.microsoft.com/office/drawing/2014/main" id="{C8C761E8-78F9-40F1-92EE-2ADCCFCDC5D8}"/>
+              </a:ext>
+            </a:extLst>
+          </p:cNvPr>
+          <p:cNvSpPr/>
+          <p:nvPr/>
+        </p:nvSpPr>
+        <p:spPr>
+          <a:xfrm>
+            <a:off x="9669209" y="1049109"/>
+            <a:ext cx="905217" cy="5458462"/>
+          </a:xfrm>
+          <a:prstGeom prst="rect">
+            <a:avLst/>
+          </a:prstGeom>
+          <a:solidFill>
+            <a:schemeClr val="accent2">
+              <a:lumMod val="20000"/>
+              <a:lumOff val="80000"/>
+              <a:alpha val="50000"/>
+            </a:schemeClr>
+          </a:solidFill>
+          <a:ln w="25400">
+            <a:solidFill>
+              <a:schemeClr val="accent2">
+                <a:lumMod val="75000"/>
+              </a:schemeClr>
+            </a:solidFill>
+            <a:prstDash val="dash"/>
+          </a:ln>
+        </p:spPr>
+        <p:style>
+          <a:lnRef idx="2">
+            <a:schemeClr val="accent1">
+              <a:shade val="50000"/>
+            </a:schemeClr>
+          </a:lnRef>
+          <a:fillRef idx="1">
+            <a:schemeClr val="accent1"/>
+          </a:fillRef>
+          <a:effectRef idx="0">
+            <a:schemeClr val="accent1"/>
+          </a:effectRef>
+          <a:fontRef idx="minor">
+            <a:schemeClr val="lt1"/>
+          </a:fontRef>
+        </p:style>
+        <p:txBody>
+          <a:bodyPr rtlCol="0" anchor="b" anchorCtr="0"/>
+          <a:lstStyle/>
+          <a:p>
+            <a:pPr algn="ctr"/>
+            <a:r>
+              <a:rPr lang="en-IE" sz="1200" dirty="0">
+                <a:solidFill>
+                  <a:schemeClr val="tx1"/>
+                </a:solidFill>
+              </a:rPr>
+              <a:t>Zone Redundant</a:t>
+            </a:r>
+          </a:p>
+        </p:txBody>
+      </p:sp>
+      <p:sp>
+        <p:nvSpPr>
+          <p:cNvPr id="36" name="Rectangle 35">
+            <a:extLst>
+              <a:ext uri="{FF2B5EF4-FFF2-40B4-BE49-F238E27FC236}">
+                <a16:creationId xmlns:a16="http://schemas.microsoft.com/office/drawing/2014/main" id="{F4864821-686E-466B-A4EA-25CFC1561CDA}"/>
+              </a:ext>
+            </a:extLst>
+          </p:cNvPr>
+          <p:cNvSpPr/>
+          <p:nvPr/>
+        </p:nvSpPr>
+        <p:spPr>
+          <a:xfrm>
+            <a:off x="10702187" y="1051129"/>
+            <a:ext cx="905217" cy="5456443"/>
+          </a:xfrm>
+          <a:prstGeom prst="rect">
+            <a:avLst/>
+          </a:prstGeom>
+          <a:solidFill>
+            <a:schemeClr val="accent2">
+              <a:lumMod val="20000"/>
+              <a:lumOff val="80000"/>
+              <a:alpha val="50000"/>
+            </a:schemeClr>
+          </a:solidFill>
+          <a:ln w="25400">
+            <a:solidFill>
+              <a:schemeClr val="accent2">
+                <a:lumMod val="75000"/>
+              </a:schemeClr>
+            </a:solidFill>
+            <a:prstDash val="dash"/>
+          </a:ln>
+        </p:spPr>
+        <p:style>
+          <a:lnRef idx="2">
+            <a:schemeClr val="accent1">
+              <a:shade val="50000"/>
+            </a:schemeClr>
+          </a:lnRef>
+          <a:fillRef idx="1">
+            <a:schemeClr val="accent1"/>
+          </a:fillRef>
+          <a:effectRef idx="0">
+            <a:schemeClr val="accent1"/>
+          </a:effectRef>
+          <a:fontRef idx="minor">
+            <a:schemeClr val="lt1"/>
+          </a:fontRef>
+        </p:style>
+        <p:txBody>
+          <a:bodyPr rtlCol="0" anchor="b" anchorCtr="0"/>
+          <a:lstStyle/>
+          <a:p>
+            <a:pPr algn="ctr"/>
+            <a:r>
+              <a:rPr lang="en-IE" sz="1200" dirty="0">
+                <a:solidFill>
+                  <a:schemeClr val="tx1"/>
+                </a:solidFill>
+              </a:rPr>
+              <a:t>Availability Zone 2</a:t>
+            </a:r>
+          </a:p>
+        </p:txBody>
+      </p:sp>
+      <p:sp>
+        <p:nvSpPr>
+          <p:cNvPr id="37" name="Rectangle 36">
+            <a:extLst>
+              <a:ext uri="{FF2B5EF4-FFF2-40B4-BE49-F238E27FC236}">
+                <a16:creationId xmlns:a16="http://schemas.microsoft.com/office/drawing/2014/main" id="{AB0AC817-B31F-49CB-BEED-023E1D6D4D5D}"/>
+              </a:ext>
+            </a:extLst>
+          </p:cNvPr>
+          <p:cNvSpPr/>
+          <p:nvPr/>
+        </p:nvSpPr>
+        <p:spPr>
+          <a:xfrm>
+            <a:off x="8638466" y="1049110"/>
+            <a:ext cx="905217" cy="5458461"/>
+          </a:xfrm>
+          <a:prstGeom prst="rect">
+            <a:avLst/>
+          </a:prstGeom>
+          <a:solidFill>
+            <a:schemeClr val="accent2">
+              <a:lumMod val="20000"/>
+              <a:lumOff val="80000"/>
+              <a:alpha val="50000"/>
+            </a:schemeClr>
+          </a:solidFill>
+          <a:ln w="25400">
+            <a:solidFill>
+              <a:schemeClr val="accent2">
+                <a:lumMod val="75000"/>
+              </a:schemeClr>
+            </a:solidFill>
+            <a:prstDash val="dash"/>
+          </a:ln>
+        </p:spPr>
+        <p:style>
+          <a:lnRef idx="2">
+            <a:schemeClr val="accent1">
+              <a:shade val="50000"/>
+            </a:schemeClr>
+          </a:lnRef>
+          <a:fillRef idx="1">
+            <a:schemeClr val="accent1"/>
+          </a:fillRef>
+          <a:effectRef idx="0">
+            <a:schemeClr val="accent1"/>
+          </a:effectRef>
+          <a:fontRef idx="minor">
+            <a:schemeClr val="lt1"/>
+          </a:fontRef>
+        </p:style>
+        <p:txBody>
+          <a:bodyPr rtlCol="0" anchor="b" anchorCtr="0"/>
+          <a:lstStyle/>
+          <a:p>
+            <a:pPr algn="ctr"/>
+            <a:r>
+              <a:rPr lang="en-IE" sz="1200" dirty="0">
+                <a:solidFill>
+                  <a:schemeClr val="tx1"/>
+                </a:solidFill>
+              </a:rPr>
+              <a:t>Availability Zone 1</a:t>
+            </a:r>
+          </a:p>
+        </p:txBody>
+      </p:sp>
+      <p:grpSp>
+        <p:nvGrpSpPr>
+          <p:cNvPr id="38" name="Group 37">
+            <a:extLst>
+              <a:ext uri="{FF2B5EF4-FFF2-40B4-BE49-F238E27FC236}">
+                <a16:creationId xmlns:a16="http://schemas.microsoft.com/office/drawing/2014/main" id="{FBCF02C7-8EF7-4E40-8794-C8746B32725E}"/>
+              </a:ext>
+            </a:extLst>
+          </p:cNvPr>
+          <p:cNvGrpSpPr/>
+          <p:nvPr/>
+        </p:nvGrpSpPr>
+        <p:grpSpPr>
+          <a:xfrm>
+            <a:off x="7728272" y="1279302"/>
+            <a:ext cx="3824462" cy="4765764"/>
+            <a:chOff x="3976240" y="414302"/>
+            <a:chExt cx="5039698" cy="6280100"/>
+          </a:xfrm>
+        </p:grpSpPr>
+        <p:pic>
+          <p:nvPicPr>
+            <p:cNvPr id="44" name="Graphic 43">
+              <a:extLst>
+                <a:ext uri="{FF2B5EF4-FFF2-40B4-BE49-F238E27FC236}">
+                  <a16:creationId xmlns:a16="http://schemas.microsoft.com/office/drawing/2014/main" id="{5638AF44-3119-4FD9-819F-921BBC4D84F7}"/>
+                </a:ext>
+              </a:extLst>
+            </p:cNvPr>
+            <p:cNvPicPr>
+              <a:picLocks noChangeAspect="1"/>
+            </p:cNvPicPr>
+            <p:nvPr/>
+          </p:nvPicPr>
+          <p:blipFill>
+            <a:blip r:embed="rId2">
+              <a:extLst>
+                <a:ext uri="{28A0092B-C50C-407E-A947-70E740481C1C}">
+                  <a14:useLocalDpi xmlns:a14="http://schemas.microsoft.com/office/drawing/2010/main" val="0"/>
+                </a:ext>
+                <a:ext uri="{96DAC541-7B7A-43D3-8B79-37D633B846F1}">
+                  <asvg:svgBlip xmlns:asvg="http://schemas.microsoft.com/office/drawing/2016/SVG/main" r:embed="rId3"/>
+                </a:ext>
+              </a:extLst>
+            </a:blip>
+            <a:stretch>
+              <a:fillRect/>
+            </a:stretch>
+          </p:blipFill>
+          <p:spPr>
+            <a:xfrm>
+              <a:off x="6791324" y="2576274"/>
+              <a:ext cx="752070" cy="752070"/>
+            </a:xfrm>
+            <a:prstGeom prst="rect">
+              <a:avLst/>
+            </a:prstGeom>
+          </p:spPr>
+        </p:pic>
+        <p:pic>
+          <p:nvPicPr>
+            <p:cNvPr id="46" name="Graphic 45">
+              <a:extLst>
+                <a:ext uri="{FF2B5EF4-FFF2-40B4-BE49-F238E27FC236}">
+                  <a16:creationId xmlns:a16="http://schemas.microsoft.com/office/drawing/2014/main" id="{C344ACDA-56A2-4060-B041-9F6117DE33A6}"/>
+                </a:ext>
+              </a:extLst>
+            </p:cNvPr>
+            <p:cNvPicPr>
+              <a:picLocks noChangeAspect="1"/>
+            </p:cNvPicPr>
+            <p:nvPr/>
+          </p:nvPicPr>
+          <p:blipFill>
+            <a:blip r:embed="rId10">
+              <a:extLst>
+                <a:ext uri="{28A0092B-C50C-407E-A947-70E740481C1C}">
+                  <a14:useLocalDpi xmlns:a14="http://schemas.microsoft.com/office/drawing/2010/main" val="0"/>
+                </a:ext>
+                <a:ext uri="{96DAC541-7B7A-43D3-8B79-37D633B846F1}">
+                  <asvg:svgBlip xmlns:asvg="http://schemas.microsoft.com/office/drawing/2016/SVG/main" r:embed="rId11"/>
+                </a:ext>
+              </a:extLst>
+            </a:blip>
+            <a:stretch>
+              <a:fillRect/>
+            </a:stretch>
+          </p:blipFill>
+          <p:spPr>
+            <a:xfrm>
+              <a:off x="8122062" y="1482115"/>
+              <a:ext cx="752070" cy="752070"/>
+            </a:xfrm>
+            <a:prstGeom prst="rect">
+              <a:avLst/>
+            </a:prstGeom>
+          </p:spPr>
+        </p:pic>
+        <p:pic>
+          <p:nvPicPr>
+            <p:cNvPr id="50" name="Graphic 49">
+              <a:extLst>
+                <a:ext uri="{FF2B5EF4-FFF2-40B4-BE49-F238E27FC236}">
+                  <a16:creationId xmlns:a16="http://schemas.microsoft.com/office/drawing/2014/main" id="{405874C9-3206-475D-8439-767863B2B845}"/>
+                </a:ext>
+              </a:extLst>
+            </p:cNvPr>
+            <p:cNvPicPr>
+              <a:picLocks noChangeAspect="1"/>
+            </p:cNvPicPr>
+            <p:nvPr/>
+          </p:nvPicPr>
+          <p:blipFill>
+            <a:blip r:embed="rId10">
+              <a:extLst>
+                <a:ext uri="{28A0092B-C50C-407E-A947-70E740481C1C}">
+                  <a14:useLocalDpi xmlns:a14="http://schemas.microsoft.com/office/drawing/2010/main" val="0"/>
+                </a:ext>
+                <a:ext uri="{96DAC541-7B7A-43D3-8B79-37D633B846F1}">
+                  <asvg:svgBlip xmlns:asvg="http://schemas.microsoft.com/office/drawing/2016/SVG/main" r:embed="rId11"/>
+                </a:ext>
+              </a:extLst>
+            </a:blip>
+            <a:stretch>
+              <a:fillRect/>
+            </a:stretch>
+          </p:blipFill>
+          <p:spPr>
+            <a:xfrm>
+              <a:off x="5385097" y="1482116"/>
+              <a:ext cx="752070" cy="752070"/>
+            </a:xfrm>
+            <a:prstGeom prst="rect">
+              <a:avLst/>
+            </a:prstGeom>
+          </p:spPr>
+        </p:pic>
+        <p:pic>
+          <p:nvPicPr>
+            <p:cNvPr id="51" name="Graphic 50">
+              <a:extLst>
+                <a:ext uri="{FF2B5EF4-FFF2-40B4-BE49-F238E27FC236}">
+                  <a16:creationId xmlns:a16="http://schemas.microsoft.com/office/drawing/2014/main" id="{EF4DF759-0B8F-40EB-BC5A-EDBDA75FA972}"/>
+                </a:ext>
+              </a:extLst>
+            </p:cNvPr>
+            <p:cNvPicPr>
+              <a:picLocks noChangeAspect="1"/>
+            </p:cNvPicPr>
+            <p:nvPr/>
+          </p:nvPicPr>
+          <p:blipFill>
+            <a:blip r:embed="rId2">
+              <a:extLst>
+                <a:ext uri="{28A0092B-C50C-407E-A947-70E740481C1C}">
+                  <a14:useLocalDpi xmlns:a14="http://schemas.microsoft.com/office/drawing/2010/main" val="0"/>
+                </a:ext>
+                <a:ext uri="{96DAC541-7B7A-43D3-8B79-37D633B846F1}">
+                  <asvg:svgBlip xmlns:asvg="http://schemas.microsoft.com/office/drawing/2016/SVG/main" r:embed="rId3"/>
+                </a:ext>
+              </a:extLst>
+            </a:blip>
+            <a:stretch>
+              <a:fillRect/>
+            </a:stretch>
+          </p:blipFill>
+          <p:spPr>
+            <a:xfrm>
+              <a:off x="6791324" y="414302"/>
+              <a:ext cx="752070" cy="752070"/>
+            </a:xfrm>
+            <a:prstGeom prst="rect">
+              <a:avLst/>
+            </a:prstGeom>
+          </p:spPr>
+        </p:pic>
+        <p:pic>
+          <p:nvPicPr>
+            <p:cNvPr id="53" name="Graphic 52">
+              <a:extLst>
+                <a:ext uri="{FF2B5EF4-FFF2-40B4-BE49-F238E27FC236}">
+                  <a16:creationId xmlns:a16="http://schemas.microsoft.com/office/drawing/2014/main" id="{E41F1EB6-27EA-43BF-A669-6987E409B251}"/>
+                </a:ext>
+              </a:extLst>
+            </p:cNvPr>
+            <p:cNvPicPr>
+              <a:picLocks noChangeAspect="1"/>
+            </p:cNvPicPr>
+            <p:nvPr/>
+          </p:nvPicPr>
+          <p:blipFill>
+            <a:blip r:embed="rId8">
+              <a:extLst>
+                <a:ext uri="{28A0092B-C50C-407E-A947-70E740481C1C}">
+                  <a14:useLocalDpi xmlns:a14="http://schemas.microsoft.com/office/drawing/2010/main" val="0"/>
+                </a:ext>
+                <a:ext uri="{96DAC541-7B7A-43D3-8B79-37D633B846F1}">
+                  <asvg:svgBlip xmlns:asvg="http://schemas.microsoft.com/office/drawing/2016/SVG/main" r:embed="rId9"/>
+                </a:ext>
+              </a:extLst>
+            </a:blip>
+            <a:stretch>
+              <a:fillRect/>
+            </a:stretch>
+          </p:blipFill>
+          <p:spPr>
+            <a:xfrm>
+              <a:off x="5386415" y="3661112"/>
+              <a:ext cx="752069" cy="752069"/>
+            </a:xfrm>
+            <a:prstGeom prst="rect">
+              <a:avLst/>
+            </a:prstGeom>
+          </p:spPr>
+        </p:pic>
+        <p:sp>
+          <p:nvSpPr>
+            <p:cNvPr id="54" name="TextBox 53">
+              <a:extLst>
+                <a:ext uri="{FF2B5EF4-FFF2-40B4-BE49-F238E27FC236}">
+                  <a16:creationId xmlns:a16="http://schemas.microsoft.com/office/drawing/2014/main" id="{DD033052-F7A3-4A9D-BB72-90C2DFD8AA7C}"/>
+                </a:ext>
+              </a:extLst>
+            </p:cNvPr>
+            <p:cNvSpPr txBox="1"/>
+            <p:nvPr/>
+          </p:nvSpPr>
+          <p:spPr>
+            <a:xfrm>
+              <a:off x="5278212" y="2237720"/>
+              <a:ext cx="1000763" cy="353809"/>
+            </a:xfrm>
+            <a:prstGeom prst="rect">
+              <a:avLst/>
+            </a:prstGeom>
+            <a:noFill/>
+          </p:spPr>
+          <p:txBody>
+            <a:bodyPr wrap="none" rtlCol="0">
+              <a:spAutoFit/>
+            </a:bodyPr>
+            <a:lstStyle/>
+            <a:p>
+              <a:r>
+                <a:rPr lang="en-IE" sz="1400" dirty="0"/>
+                <a:t>WebVM3</a:t>
+              </a:r>
+            </a:p>
+          </p:txBody>
+        </p:sp>
+        <p:sp>
+          <p:nvSpPr>
+            <p:cNvPr id="55" name="TextBox 54">
+              <a:extLst>
+                <a:ext uri="{FF2B5EF4-FFF2-40B4-BE49-F238E27FC236}">
+                  <a16:creationId xmlns:a16="http://schemas.microsoft.com/office/drawing/2014/main" id="{D3243143-E427-46DA-8568-8CD8DB98C7A8}"/>
+                </a:ext>
+              </a:extLst>
+            </p:cNvPr>
+            <p:cNvSpPr txBox="1"/>
+            <p:nvPr/>
+          </p:nvSpPr>
+          <p:spPr>
+            <a:xfrm>
+              <a:off x="8015175" y="2217264"/>
+              <a:ext cx="1000763" cy="353809"/>
+            </a:xfrm>
+            <a:prstGeom prst="rect">
+              <a:avLst/>
+            </a:prstGeom>
+            <a:noFill/>
+          </p:spPr>
+          <p:txBody>
+            <a:bodyPr wrap="none" rtlCol="0">
+              <a:spAutoFit/>
+            </a:bodyPr>
+            <a:lstStyle/>
+            <a:p>
+              <a:r>
+                <a:rPr lang="en-IE" sz="1400" dirty="0"/>
+                <a:t>WebVM4</a:t>
+              </a:r>
+            </a:p>
+          </p:txBody>
+        </p:sp>
+        <p:sp>
+          <p:nvSpPr>
+            <p:cNvPr id="57" name="TextBox 56">
+              <a:extLst>
+                <a:ext uri="{FF2B5EF4-FFF2-40B4-BE49-F238E27FC236}">
+                  <a16:creationId xmlns:a16="http://schemas.microsoft.com/office/drawing/2014/main" id="{3D27CFF6-4EE6-490B-9B5C-3545CD678677}"/>
+                </a:ext>
+              </a:extLst>
+            </p:cNvPr>
+            <p:cNvSpPr txBox="1"/>
+            <p:nvPr/>
+          </p:nvSpPr>
+          <p:spPr>
+            <a:xfrm>
+              <a:off x="5323573" y="4413182"/>
+              <a:ext cx="916144" cy="353809"/>
+            </a:xfrm>
+            <a:prstGeom prst="rect">
+              <a:avLst/>
+            </a:prstGeom>
+            <a:noFill/>
+          </p:spPr>
+          <p:txBody>
+            <a:bodyPr wrap="none" rtlCol="0">
+              <a:spAutoFit/>
+            </a:bodyPr>
+            <a:lstStyle/>
+            <a:p>
+              <a:r>
+                <a:rPr lang="en-IE" sz="1400" dirty="0"/>
+                <a:t>SQLVM3</a:t>
+              </a:r>
+            </a:p>
+          </p:txBody>
+        </p:sp>
+        <p:cxnSp>
+          <p:nvCxnSpPr>
+            <p:cNvPr id="60" name="Straight Arrow Connector 59">
+              <a:extLst>
+                <a:ext uri="{FF2B5EF4-FFF2-40B4-BE49-F238E27FC236}">
+                  <a16:creationId xmlns:a16="http://schemas.microsoft.com/office/drawing/2014/main" id="{DD710FAB-8020-4479-803A-B75928D8DED0}"/>
+                </a:ext>
+              </a:extLst>
+            </p:cNvPr>
+            <p:cNvCxnSpPr>
+              <a:cxnSpLocks/>
+            </p:cNvCxnSpPr>
+            <p:nvPr/>
+          </p:nvCxnSpPr>
+          <p:spPr>
+            <a:xfrm flipH="1">
+              <a:off x="6244053" y="1003432"/>
+              <a:ext cx="661724" cy="399167"/>
+            </a:xfrm>
+            <a:prstGeom prst="straightConnector1">
+              <a:avLst/>
+            </a:prstGeom>
+            <a:ln w="19050">
+              <a:solidFill>
+                <a:schemeClr val="tx1"/>
+              </a:solidFill>
+              <a:tailEnd type="triangle" w="lg" len="lg"/>
+            </a:ln>
+          </p:spPr>
+          <p:style>
+            <a:lnRef idx="1">
+              <a:schemeClr val="accent1"/>
+            </a:lnRef>
+            <a:fillRef idx="0">
+              <a:schemeClr val="accent1"/>
+            </a:fillRef>
+            <a:effectRef idx="0">
+              <a:schemeClr val="accent1"/>
+            </a:effectRef>
+            <a:fontRef idx="minor">
+              <a:schemeClr val="tx1"/>
+            </a:fontRef>
+          </p:style>
+        </p:cxnSp>
+        <p:cxnSp>
+          <p:nvCxnSpPr>
+            <p:cNvPr id="61" name="Straight Arrow Connector 60">
+              <a:extLst>
+                <a:ext uri="{FF2B5EF4-FFF2-40B4-BE49-F238E27FC236}">
+                  <a16:creationId xmlns:a16="http://schemas.microsoft.com/office/drawing/2014/main" id="{42ACDCD9-1CC6-4E5F-AFAA-6DBF487DB591}"/>
+                </a:ext>
+              </a:extLst>
+            </p:cNvPr>
+            <p:cNvCxnSpPr>
+              <a:cxnSpLocks/>
+            </p:cNvCxnSpPr>
+            <p:nvPr/>
+          </p:nvCxnSpPr>
+          <p:spPr>
+            <a:xfrm>
+              <a:off x="7428942" y="1003432"/>
+              <a:ext cx="586233" cy="432335"/>
+            </a:xfrm>
+            <a:prstGeom prst="straightConnector1">
+              <a:avLst/>
+            </a:prstGeom>
+            <a:ln w="19050">
+              <a:solidFill>
+                <a:schemeClr val="tx1"/>
+              </a:solidFill>
+              <a:tailEnd type="triangle" w="lg" len="lg"/>
+            </a:ln>
+          </p:spPr>
+          <p:style>
+            <a:lnRef idx="1">
+              <a:schemeClr val="accent1"/>
+            </a:lnRef>
+            <a:fillRef idx="0">
+              <a:schemeClr val="accent1"/>
+            </a:fillRef>
+            <a:effectRef idx="0">
+              <a:schemeClr val="accent1"/>
+            </a:effectRef>
+            <a:fontRef idx="minor">
+              <a:schemeClr val="tx1"/>
+            </a:fontRef>
+          </p:style>
+        </p:cxnSp>
+        <p:cxnSp>
+          <p:nvCxnSpPr>
+            <p:cNvPr id="66" name="Straight Arrow Connector 65">
+              <a:extLst>
+                <a:ext uri="{FF2B5EF4-FFF2-40B4-BE49-F238E27FC236}">
+                  <a16:creationId xmlns:a16="http://schemas.microsoft.com/office/drawing/2014/main" id="{784F6B94-C615-43C1-99FC-05041037CCEA}"/>
+                </a:ext>
+              </a:extLst>
+            </p:cNvPr>
+            <p:cNvCxnSpPr>
+              <a:cxnSpLocks/>
+            </p:cNvCxnSpPr>
+            <p:nvPr/>
+          </p:nvCxnSpPr>
+          <p:spPr>
+            <a:xfrm flipH="1">
+              <a:off x="6200009" y="3225969"/>
+              <a:ext cx="685385" cy="416957"/>
+            </a:xfrm>
+            <a:prstGeom prst="straightConnector1">
+              <a:avLst/>
+            </a:prstGeom>
+            <a:ln w="19050">
+              <a:solidFill>
+                <a:schemeClr val="tx1"/>
+              </a:solidFill>
+              <a:tailEnd type="triangle" w="lg" len="lg"/>
+            </a:ln>
+          </p:spPr>
+          <p:style>
+            <a:lnRef idx="1">
+              <a:schemeClr val="accent1"/>
+            </a:lnRef>
+            <a:fillRef idx="0">
+              <a:schemeClr val="accent1"/>
+            </a:fillRef>
+            <a:effectRef idx="0">
+              <a:schemeClr val="accent1"/>
+            </a:effectRef>
+            <a:fontRef idx="minor">
+              <a:schemeClr val="tx1"/>
+            </a:fontRef>
+          </p:style>
+        </p:cxnSp>
+        <p:cxnSp>
+          <p:nvCxnSpPr>
+            <p:cNvPr id="74" name="Straight Arrow Connector 73">
+              <a:extLst>
+                <a:ext uri="{FF2B5EF4-FFF2-40B4-BE49-F238E27FC236}">
+                  <a16:creationId xmlns:a16="http://schemas.microsoft.com/office/drawing/2014/main" id="{C3E4D3BE-867D-4DDF-9BBA-15A4B5F2CA43}"/>
+                </a:ext>
+              </a:extLst>
+            </p:cNvPr>
+            <p:cNvCxnSpPr>
+              <a:cxnSpLocks/>
+            </p:cNvCxnSpPr>
+            <p:nvPr/>
+          </p:nvCxnSpPr>
+          <p:spPr>
+            <a:xfrm>
+              <a:off x="6307767" y="2193261"/>
+              <a:ext cx="577626" cy="483715"/>
+            </a:xfrm>
+            <a:prstGeom prst="straightConnector1">
+              <a:avLst/>
+            </a:prstGeom>
+            <a:ln w="19050">
+              <a:solidFill>
+                <a:schemeClr val="tx1"/>
+              </a:solidFill>
+              <a:tailEnd type="triangle" w="lg" len="lg"/>
+            </a:ln>
+          </p:spPr>
+          <p:style>
+            <a:lnRef idx="1">
+              <a:schemeClr val="accent1"/>
+            </a:lnRef>
+            <a:fillRef idx="0">
+              <a:schemeClr val="accent1"/>
+            </a:fillRef>
+            <a:effectRef idx="0">
+              <a:schemeClr val="accent1"/>
+            </a:effectRef>
+            <a:fontRef idx="minor">
+              <a:schemeClr val="tx1"/>
+            </a:fontRef>
+          </p:style>
+        </p:cxnSp>
+        <p:cxnSp>
+          <p:nvCxnSpPr>
+            <p:cNvPr id="75" name="Straight Arrow Connector 74">
+              <a:extLst>
+                <a:ext uri="{FF2B5EF4-FFF2-40B4-BE49-F238E27FC236}">
+                  <a16:creationId xmlns:a16="http://schemas.microsoft.com/office/drawing/2014/main" id="{67C3E42A-C3FC-4C53-8D52-0516348AEB7C}"/>
+                </a:ext>
+              </a:extLst>
+            </p:cNvPr>
+            <p:cNvCxnSpPr>
+              <a:cxnSpLocks/>
+            </p:cNvCxnSpPr>
+            <p:nvPr/>
+          </p:nvCxnSpPr>
+          <p:spPr>
+            <a:xfrm flipH="1">
+              <a:off x="7405465" y="2234185"/>
+              <a:ext cx="609710" cy="440733"/>
+            </a:xfrm>
+            <a:prstGeom prst="straightConnector1">
+              <a:avLst/>
+            </a:prstGeom>
+            <a:ln w="19050">
+              <a:solidFill>
+                <a:schemeClr val="tx1"/>
+              </a:solidFill>
+              <a:tailEnd type="triangle" w="lg" len="lg"/>
+            </a:ln>
+          </p:spPr>
+          <p:style>
+            <a:lnRef idx="1">
+              <a:schemeClr val="accent1"/>
+            </a:lnRef>
+            <a:fillRef idx="0">
+              <a:schemeClr val="accent1"/>
+            </a:fillRef>
+            <a:effectRef idx="0">
+              <a:schemeClr val="accent1"/>
+            </a:effectRef>
+            <a:fontRef idx="minor">
+              <a:schemeClr val="tx1"/>
+            </a:fontRef>
+          </p:style>
+        </p:cxnSp>
+        <p:cxnSp>
+          <p:nvCxnSpPr>
+            <p:cNvPr id="78" name="Straight Arrow Connector 77">
+              <a:extLst>
+                <a:ext uri="{FF2B5EF4-FFF2-40B4-BE49-F238E27FC236}">
+                  <a16:creationId xmlns:a16="http://schemas.microsoft.com/office/drawing/2014/main" id="{9CD5434E-61C4-4A10-BC5F-7F2A115F4D63}"/>
+                </a:ext>
+              </a:extLst>
+            </p:cNvPr>
+            <p:cNvCxnSpPr>
+              <a:cxnSpLocks/>
+            </p:cNvCxnSpPr>
+            <p:nvPr/>
+          </p:nvCxnSpPr>
+          <p:spPr>
+            <a:xfrm flipH="1">
+              <a:off x="3976240" y="3894531"/>
+              <a:ext cx="1314195" cy="0"/>
+            </a:xfrm>
+            <a:prstGeom prst="straightConnector1">
+              <a:avLst/>
+            </a:prstGeom>
+            <a:ln w="19050">
+              <a:solidFill>
+                <a:srgbClr val="C00000"/>
+              </a:solidFill>
+              <a:headEnd type="triangle" w="lg" len="lg"/>
+              <a:tailEnd type="triangle" w="lg" len="lg"/>
+            </a:ln>
+          </p:spPr>
+          <p:style>
+            <a:lnRef idx="1">
+              <a:schemeClr val="accent1"/>
+            </a:lnRef>
+            <a:fillRef idx="0">
+              <a:schemeClr val="accent1"/>
+            </a:fillRef>
+            <a:effectRef idx="0">
+              <a:schemeClr val="accent1"/>
+            </a:effectRef>
+            <a:fontRef idx="minor">
+              <a:schemeClr val="tx1"/>
+            </a:fontRef>
+          </p:style>
+        </p:cxnSp>
+        <p:sp>
+          <p:nvSpPr>
+            <p:cNvPr id="79" name="TextBox 78">
+              <a:extLst>
+                <a:ext uri="{FF2B5EF4-FFF2-40B4-BE49-F238E27FC236}">
+                  <a16:creationId xmlns:a16="http://schemas.microsoft.com/office/drawing/2014/main" id="{0C5F37E7-DCEA-425E-B076-336DD0153BF5}"/>
+                </a:ext>
+              </a:extLst>
+            </p:cNvPr>
+            <p:cNvSpPr txBox="1"/>
+            <p:nvPr/>
+          </p:nvSpPr>
+          <p:spPr>
+            <a:xfrm>
+              <a:off x="4121994" y="3922868"/>
+              <a:ext cx="997298" cy="477641"/>
+            </a:xfrm>
+            <a:prstGeom prst="rect">
+              <a:avLst/>
+            </a:prstGeom>
+            <a:noFill/>
+          </p:spPr>
+          <p:txBody>
+            <a:bodyPr wrap="none" rtlCol="0">
+              <a:spAutoFit/>
+            </a:bodyPr>
+            <a:lstStyle/>
+            <a:p>
+              <a:pPr algn="ctr"/>
+              <a:r>
+                <a:rPr lang="en-IE" sz="1050" dirty="0">
+                  <a:solidFill>
+                    <a:srgbClr val="C00000"/>
+                  </a:solidFill>
+                  <a:latin typeface="Segoe UI Semibold" panose="020B0702040204020203" pitchFamily="34" charset="0"/>
+                  <a:cs typeface="Segoe UI Semibold" panose="020B0702040204020203" pitchFamily="34" charset="0"/>
+                </a:rPr>
+                <a:t>Async</a:t>
+              </a:r>
+              <a:br>
+                <a:rPr lang="en-IE" sz="1050" dirty="0">
+                  <a:solidFill>
+                    <a:srgbClr val="C00000"/>
+                  </a:solidFill>
+                  <a:latin typeface="Segoe UI Semibold" panose="020B0702040204020203" pitchFamily="34" charset="0"/>
+                  <a:cs typeface="Segoe UI Semibold" panose="020B0702040204020203" pitchFamily="34" charset="0"/>
+                </a:rPr>
+              </a:br>
+              <a:r>
+                <a:rPr lang="en-IE" sz="1050" dirty="0">
+                  <a:solidFill>
+                    <a:srgbClr val="C00000"/>
+                  </a:solidFill>
+                  <a:latin typeface="Segoe UI Semibold" panose="020B0702040204020203" pitchFamily="34" charset="0"/>
+                  <a:cs typeface="Segoe UI Semibold" panose="020B0702040204020203" pitchFamily="34" charset="0"/>
+                </a:rPr>
+                <a:t>Replication</a:t>
+              </a:r>
+            </a:p>
+          </p:txBody>
+        </p:sp>
+        <p:pic>
+          <p:nvPicPr>
+            <p:cNvPr id="81" name="Graphic 80">
+              <a:extLst>
+                <a:ext uri="{FF2B5EF4-FFF2-40B4-BE49-F238E27FC236}">
+                  <a16:creationId xmlns:a16="http://schemas.microsoft.com/office/drawing/2014/main" id="{0A49DCE5-C086-462A-8B05-8F66CE3F48C7}"/>
+                </a:ext>
+              </a:extLst>
+            </p:cNvPr>
+            <p:cNvPicPr>
+              <a:picLocks noChangeAspect="1"/>
+            </p:cNvPicPr>
+            <p:nvPr/>
+          </p:nvPicPr>
+          <p:blipFill>
+            <a:blip r:embed="rId4">
+              <a:extLst>
+                <a:ext uri="{28A0092B-C50C-407E-A947-70E740481C1C}">
+                  <a14:useLocalDpi xmlns:a14="http://schemas.microsoft.com/office/drawing/2010/main" val="0"/>
+                </a:ext>
+                <a:ext uri="{96DAC541-7B7A-43D3-8B79-37D633B846F1}">
+                  <asvg:svgBlip xmlns:asvg="http://schemas.microsoft.com/office/drawing/2016/SVG/main" r:embed="rId5"/>
+                </a:ext>
+              </a:extLst>
+            </a:blip>
+            <a:stretch>
+              <a:fillRect/>
+            </a:stretch>
+          </p:blipFill>
+          <p:spPr>
+            <a:xfrm>
+              <a:off x="5385097" y="5666240"/>
+              <a:ext cx="752070" cy="752070"/>
+            </a:xfrm>
+            <a:prstGeom prst="rect">
+              <a:avLst/>
+            </a:prstGeom>
+          </p:spPr>
+        </p:pic>
+        <p:pic>
+          <p:nvPicPr>
+            <p:cNvPr id="82" name="Graphic 81">
+              <a:extLst>
+                <a:ext uri="{FF2B5EF4-FFF2-40B4-BE49-F238E27FC236}">
+                  <a16:creationId xmlns:a16="http://schemas.microsoft.com/office/drawing/2014/main" id="{47DF2BBD-1A7A-41CF-871C-8F1711FF55D5}"/>
+                </a:ext>
+              </a:extLst>
+            </p:cNvPr>
+            <p:cNvPicPr>
+              <a:picLocks noChangeAspect="1"/>
+            </p:cNvPicPr>
+            <p:nvPr/>
+          </p:nvPicPr>
+          <p:blipFill>
+            <a:blip r:embed="rId4">
+              <a:extLst>
+                <a:ext uri="{28A0092B-C50C-407E-A947-70E740481C1C}">
+                  <a14:useLocalDpi xmlns:a14="http://schemas.microsoft.com/office/drawing/2010/main" val="0"/>
+                </a:ext>
+                <a:ext uri="{96DAC541-7B7A-43D3-8B79-37D633B846F1}">
+                  <asvg:svgBlip xmlns:asvg="http://schemas.microsoft.com/office/drawing/2016/SVG/main" r:embed="rId5"/>
+                </a:ext>
+              </a:extLst>
+            </a:blip>
+            <a:stretch>
+              <a:fillRect/>
+            </a:stretch>
+          </p:blipFill>
+          <p:spPr>
+            <a:xfrm>
+              <a:off x="8122061" y="5666240"/>
+              <a:ext cx="752070" cy="752070"/>
+            </a:xfrm>
+            <a:prstGeom prst="rect">
+              <a:avLst/>
+            </a:prstGeom>
+          </p:spPr>
+        </p:pic>
+        <p:sp>
+          <p:nvSpPr>
+            <p:cNvPr id="83" name="TextBox 82">
+              <a:extLst>
+                <a:ext uri="{FF2B5EF4-FFF2-40B4-BE49-F238E27FC236}">
+                  <a16:creationId xmlns:a16="http://schemas.microsoft.com/office/drawing/2014/main" id="{B3D0FC11-CC46-4D8C-8A6B-F30A96059506}"/>
+                </a:ext>
+              </a:extLst>
+            </p:cNvPr>
+            <p:cNvSpPr txBox="1"/>
+            <p:nvPr/>
+          </p:nvSpPr>
+          <p:spPr>
+            <a:xfrm>
+              <a:off x="5353007" y="6340593"/>
+              <a:ext cx="849878" cy="353809"/>
+            </a:xfrm>
+            <a:prstGeom prst="rect">
+              <a:avLst/>
+            </a:prstGeom>
+            <a:noFill/>
+          </p:spPr>
+          <p:txBody>
+            <a:bodyPr wrap="none" rtlCol="0">
+              <a:spAutoFit/>
+            </a:bodyPr>
+            <a:lstStyle/>
+            <a:p>
+              <a:r>
+                <a:rPr lang="en-IE" sz="1400" dirty="0"/>
+                <a:t>DCVM1</a:t>
+              </a:r>
+            </a:p>
+          </p:txBody>
+        </p:sp>
+        <p:sp>
+          <p:nvSpPr>
+            <p:cNvPr id="84" name="TextBox 83">
+              <a:extLst>
+                <a:ext uri="{FF2B5EF4-FFF2-40B4-BE49-F238E27FC236}">
+                  <a16:creationId xmlns:a16="http://schemas.microsoft.com/office/drawing/2014/main" id="{2822F7BA-5739-467E-B359-660D661D2AB4}"/>
+                </a:ext>
+              </a:extLst>
+            </p:cNvPr>
+            <p:cNvSpPr txBox="1"/>
+            <p:nvPr/>
+          </p:nvSpPr>
+          <p:spPr>
+            <a:xfrm>
+              <a:off x="8089971" y="6340593"/>
+              <a:ext cx="849878" cy="353809"/>
+            </a:xfrm>
+            <a:prstGeom prst="rect">
+              <a:avLst/>
+            </a:prstGeom>
+            <a:noFill/>
+          </p:spPr>
+          <p:txBody>
+            <a:bodyPr wrap="none" rtlCol="0">
+              <a:spAutoFit/>
+            </a:bodyPr>
+            <a:lstStyle/>
+            <a:p>
+              <a:r>
+                <a:rPr lang="en-IE" sz="1400" dirty="0"/>
+                <a:t>DCVM2</a:t>
+              </a:r>
+            </a:p>
+          </p:txBody>
+        </p:sp>
+        <p:sp>
+          <p:nvSpPr>
+            <p:cNvPr id="85" name="Isosceles Triangle 84">
+              <a:extLst>
+                <a:ext uri="{FF2B5EF4-FFF2-40B4-BE49-F238E27FC236}">
+                  <a16:creationId xmlns:a16="http://schemas.microsoft.com/office/drawing/2014/main" id="{FA6FD8E7-E9CC-41BB-BDFE-E4D2CC1867A6}"/>
+                </a:ext>
+              </a:extLst>
+            </p:cNvPr>
+            <p:cNvSpPr/>
+            <p:nvPr/>
+          </p:nvSpPr>
+          <p:spPr>
+            <a:xfrm>
+              <a:off x="5869319" y="5935787"/>
+              <a:ext cx="374865" cy="338555"/>
+            </a:xfrm>
+            <a:prstGeom prst="triangle">
+              <a:avLst/>
+            </a:prstGeom>
+            <a:solidFill>
+              <a:srgbClr val="50E6FF"/>
+            </a:solidFill>
+            <a:ln>
+              <a:noFill/>
+            </a:ln>
+          </p:spPr>
+          <p:style>
+            <a:lnRef idx="2">
+              <a:schemeClr val="accent1">
+                <a:shade val="50000"/>
+              </a:schemeClr>
+            </a:lnRef>
+            <a:fillRef idx="1">
+              <a:schemeClr val="accent1"/>
+            </a:fillRef>
+            <a:effectRef idx="0">
+              <a:schemeClr val="accent1"/>
+            </a:effectRef>
+            <a:fontRef idx="minor">
+              <a:schemeClr val="lt1"/>
+            </a:fontRef>
+          </p:style>
+          <p:txBody>
+            <a:bodyPr rtlCol="0" anchor="ctr"/>
+            <a:lstStyle/>
+            <a:p>
+              <a:pPr algn="ctr"/>
+              <a:endParaRPr lang="en-IE" sz="1600"/>
+            </a:p>
+          </p:txBody>
+        </p:sp>
+        <p:sp>
+          <p:nvSpPr>
+            <p:cNvPr id="86" name="Isosceles Triangle 85">
+              <a:extLst>
+                <a:ext uri="{FF2B5EF4-FFF2-40B4-BE49-F238E27FC236}">
+                  <a16:creationId xmlns:a16="http://schemas.microsoft.com/office/drawing/2014/main" id="{1F205207-6DFB-476F-96C4-B3D5AEABC093}"/>
+                </a:ext>
+              </a:extLst>
+            </p:cNvPr>
+            <p:cNvSpPr/>
+            <p:nvPr/>
+          </p:nvSpPr>
+          <p:spPr>
+            <a:xfrm>
+              <a:off x="8606152" y="5935786"/>
+              <a:ext cx="374865" cy="338555"/>
+            </a:xfrm>
+            <a:prstGeom prst="triangle">
+              <a:avLst/>
+            </a:prstGeom>
+            <a:solidFill>
+              <a:srgbClr val="50E6FF"/>
+            </a:solidFill>
+            <a:ln>
+              <a:noFill/>
+            </a:ln>
+          </p:spPr>
+          <p:style>
+            <a:lnRef idx="2">
+              <a:schemeClr val="accent1">
+                <a:shade val="50000"/>
+              </a:schemeClr>
+            </a:lnRef>
+            <a:fillRef idx="1">
+              <a:schemeClr val="accent1"/>
+            </a:fillRef>
+            <a:effectRef idx="0">
+              <a:schemeClr val="accent1"/>
+            </a:effectRef>
+            <a:fontRef idx="minor">
+              <a:schemeClr val="lt1"/>
+            </a:fontRef>
+          </p:style>
+          <p:txBody>
+            <a:bodyPr rtlCol="0" anchor="ctr"/>
+            <a:lstStyle/>
+            <a:p>
+              <a:pPr algn="ctr"/>
+              <a:endParaRPr lang="en-IE" sz="1600"/>
+            </a:p>
+          </p:txBody>
+        </p:sp>
+      </p:grpSp>
+      <p:cxnSp>
+        <p:nvCxnSpPr>
+          <p:cNvPr id="87" name="Straight Arrow Connector 86">
+            <a:extLst>
+              <a:ext uri="{FF2B5EF4-FFF2-40B4-BE49-F238E27FC236}">
+                <a16:creationId xmlns:a16="http://schemas.microsoft.com/office/drawing/2014/main" id="{E99D12F0-A667-423A-8393-4CBB2E71F2CF}"/>
+              </a:ext>
+            </a:extLst>
+          </p:cNvPr>
+          <p:cNvCxnSpPr>
+            <a:cxnSpLocks/>
+          </p:cNvCxnSpPr>
+          <p:nvPr/>
+        </p:nvCxnSpPr>
+        <p:spPr>
+          <a:xfrm flipV="1">
+            <a:off x="7708631" y="2278401"/>
+            <a:ext cx="1007664" cy="1"/>
+          </a:xfrm>
+          <a:prstGeom prst="straightConnector1">
+            <a:avLst/>
+          </a:prstGeom>
+          <a:ln w="19050">
+            <a:solidFill>
+              <a:srgbClr val="7030A0"/>
+            </a:solidFill>
+            <a:tailEnd type="triangle" w="lg" len="lg"/>
+          </a:ln>
+        </p:spPr>
+        <p:style>
+          <a:lnRef idx="1">
+            <a:schemeClr val="accent1"/>
+          </a:lnRef>
+          <a:fillRef idx="0">
+            <a:schemeClr val="accent1"/>
+          </a:fillRef>
+          <a:effectRef idx="0">
+            <a:schemeClr val="accent1"/>
+          </a:effectRef>
+          <a:fontRef idx="minor">
+            <a:schemeClr val="tx1"/>
+          </a:fontRef>
+        </p:style>
+      </p:cxnSp>
+      <p:cxnSp>
+        <p:nvCxnSpPr>
+          <p:cNvPr id="88" name="Straight Arrow Connector 87">
+            <a:extLst>
+              <a:ext uri="{FF2B5EF4-FFF2-40B4-BE49-F238E27FC236}">
+                <a16:creationId xmlns:a16="http://schemas.microsoft.com/office/drawing/2014/main" id="{5814BD1C-80E0-48DC-8BC1-DA361363026C}"/>
+              </a:ext>
+            </a:extLst>
+          </p:cNvPr>
+          <p:cNvCxnSpPr>
+            <a:cxnSpLocks/>
+          </p:cNvCxnSpPr>
+          <p:nvPr/>
+        </p:nvCxnSpPr>
+        <p:spPr>
+          <a:xfrm flipV="1">
+            <a:off x="7714323" y="2410344"/>
+            <a:ext cx="3078963" cy="1"/>
+          </a:xfrm>
+          <a:prstGeom prst="straightConnector1">
+            <a:avLst/>
+          </a:prstGeom>
+          <a:ln w="19050">
+            <a:solidFill>
+              <a:srgbClr val="7030A0"/>
+            </a:solidFill>
+            <a:tailEnd type="triangle" w="lg" len="lg"/>
+          </a:ln>
+        </p:spPr>
+        <p:style>
+          <a:lnRef idx="1">
+            <a:schemeClr val="accent1"/>
+          </a:lnRef>
+          <a:fillRef idx="0">
+            <a:schemeClr val="accent1"/>
+          </a:fillRef>
+          <a:effectRef idx="0">
+            <a:schemeClr val="accent1"/>
+          </a:effectRef>
+          <a:fontRef idx="minor">
+            <a:schemeClr val="tx1"/>
+          </a:fontRef>
+        </p:style>
+      </p:cxnSp>
+      <p:sp>
+        <p:nvSpPr>
+          <p:cNvPr id="89" name="TextBox 88">
+            <a:extLst>
+              <a:ext uri="{FF2B5EF4-FFF2-40B4-BE49-F238E27FC236}">
+                <a16:creationId xmlns:a16="http://schemas.microsoft.com/office/drawing/2014/main" id="{E97A4003-20D2-43C8-A410-C41CC98CB2A0}"/>
+              </a:ext>
+            </a:extLst>
+          </p:cNvPr>
+          <p:cNvSpPr txBox="1"/>
+          <p:nvPr/>
+        </p:nvSpPr>
+        <p:spPr>
+          <a:xfrm>
+            <a:off x="7847971" y="1892217"/>
+            <a:ext cx="700881" cy="362466"/>
+          </a:xfrm>
+          <a:prstGeom prst="rect">
+            <a:avLst/>
+          </a:prstGeom>
+          <a:noFill/>
+        </p:spPr>
+        <p:txBody>
+          <a:bodyPr wrap="none" rtlCol="0">
+            <a:spAutoFit/>
+          </a:bodyPr>
+          <a:lstStyle/>
+          <a:p>
+            <a:pPr algn="ctr"/>
+            <a:r>
+              <a:rPr lang="en-IE" sz="1050" dirty="0">
+                <a:solidFill>
+                  <a:srgbClr val="7030A0"/>
+                </a:solidFill>
+                <a:latin typeface="Segoe UI Semibold" panose="020B0702040204020203" pitchFamily="34" charset="0"/>
+                <a:cs typeface="Segoe UI Semibold" panose="020B0702040204020203" pitchFamily="34" charset="0"/>
+              </a:rPr>
+              <a:t>Azure Site</a:t>
+            </a:r>
+            <a:br>
+              <a:rPr lang="en-IE" sz="1050" dirty="0">
+                <a:solidFill>
+                  <a:srgbClr val="7030A0"/>
+                </a:solidFill>
+                <a:latin typeface="Segoe UI Semibold" panose="020B0702040204020203" pitchFamily="34" charset="0"/>
+                <a:cs typeface="Segoe UI Semibold" panose="020B0702040204020203" pitchFamily="34" charset="0"/>
+              </a:rPr>
+            </a:br>
+            <a:r>
+              <a:rPr lang="en-IE" sz="1050" dirty="0">
+                <a:solidFill>
+                  <a:srgbClr val="7030A0"/>
+                </a:solidFill>
+                <a:latin typeface="Segoe UI Semibold" panose="020B0702040204020203" pitchFamily="34" charset="0"/>
+                <a:cs typeface="Segoe UI Semibold" panose="020B0702040204020203" pitchFamily="34" charset="0"/>
+              </a:rPr>
+              <a:t>Recovery</a:t>
+            </a:r>
+          </a:p>
+        </p:txBody>
+      </p:sp>
+      <p:pic>
+        <p:nvPicPr>
+          <p:cNvPr id="12" name="Graphic 11">
+            <a:extLst>
+              <a:ext uri="{FF2B5EF4-FFF2-40B4-BE49-F238E27FC236}">
+                <a16:creationId xmlns:a16="http://schemas.microsoft.com/office/drawing/2014/main" id="{84DA52B9-37BF-4567-BE68-B1249EE847DF}"/>
+              </a:ext>
+            </a:extLst>
+          </p:cNvPr>
+          <p:cNvPicPr>
+            <a:picLocks noChangeAspect="1"/>
+          </p:cNvPicPr>
+          <p:nvPr/>
+        </p:nvPicPr>
+        <p:blipFill>
+          <a:blip r:embed="rId12">
+            <a:extLst>
+              <a:ext uri="{28A0092B-C50C-407E-A947-70E740481C1C}">
+                <a14:useLocalDpi xmlns:a14="http://schemas.microsoft.com/office/drawing/2010/main" val="0"/>
+              </a:ext>
+              <a:ext uri="{96DAC541-7B7A-43D3-8B79-37D633B846F1}">
+                <asvg:svgBlip xmlns:asvg="http://schemas.microsoft.com/office/drawing/2016/SVG/main" r:embed="rId13"/>
+              </a:ext>
+            </a:extLst>
+          </a:blip>
+          <a:stretch>
+            <a:fillRect/>
+          </a:stretch>
+        </p:blipFill>
+        <p:spPr>
+          <a:xfrm>
+            <a:off x="8015444" y="1511470"/>
+            <a:ext cx="429805" cy="429805"/>
+          </a:xfrm>
+          <a:prstGeom prst="rect">
+            <a:avLst/>
+          </a:prstGeom>
+        </p:spPr>
+      </p:pic>
+      <p:sp>
+        <p:nvSpPr>
+          <p:cNvPr id="90" name="TextBox 89">
+            <a:extLst>
+              <a:ext uri="{FF2B5EF4-FFF2-40B4-BE49-F238E27FC236}">
+                <a16:creationId xmlns:a16="http://schemas.microsoft.com/office/drawing/2014/main" id="{2F4ED977-B413-43BA-A68E-1F6843D91CC6}"/>
+              </a:ext>
+            </a:extLst>
+          </p:cNvPr>
+          <p:cNvSpPr txBox="1"/>
+          <p:nvPr/>
+        </p:nvSpPr>
+        <p:spPr>
+          <a:xfrm>
+            <a:off x="5761695" y="6562657"/>
+            <a:ext cx="1015522" cy="295343"/>
+          </a:xfrm>
+          <a:prstGeom prst="rect">
+            <a:avLst/>
+          </a:prstGeom>
+          <a:noFill/>
+        </p:spPr>
+        <p:txBody>
+          <a:bodyPr wrap="none" rtlCol="0">
+            <a:spAutoFit/>
+          </a:bodyPr>
+          <a:lstStyle/>
+          <a:p>
+            <a:pPr algn="ctr"/>
+            <a:r>
+              <a:rPr lang="en-IE" sz="1600" dirty="0">
+                <a:latin typeface="Segoe UI Semibold" panose="020B0702040204020203" pitchFamily="34" charset="0"/>
+                <a:cs typeface="Segoe UI Semibold" panose="020B0702040204020203" pitchFamily="34" charset="0"/>
+              </a:rPr>
+              <a:t>Central US</a:t>
+            </a:r>
+          </a:p>
+        </p:txBody>
+      </p:sp>
+      <p:sp>
+        <p:nvSpPr>
+          <p:cNvPr id="91" name="TextBox 90">
+            <a:extLst>
+              <a:ext uri="{FF2B5EF4-FFF2-40B4-BE49-F238E27FC236}">
+                <a16:creationId xmlns:a16="http://schemas.microsoft.com/office/drawing/2014/main" id="{13CAC178-C07A-4C06-B37B-987B2C5D5325}"/>
+              </a:ext>
+            </a:extLst>
+          </p:cNvPr>
+          <p:cNvSpPr txBox="1"/>
+          <p:nvPr/>
+        </p:nvSpPr>
+        <p:spPr>
+          <a:xfrm>
+            <a:off x="9695287" y="6561070"/>
+            <a:ext cx="909244" cy="295343"/>
+          </a:xfrm>
+          <a:prstGeom prst="rect">
+            <a:avLst/>
+          </a:prstGeom>
+          <a:noFill/>
+        </p:spPr>
+        <p:txBody>
+          <a:bodyPr wrap="none" rtlCol="0">
+            <a:spAutoFit/>
+          </a:bodyPr>
+          <a:lstStyle/>
+          <a:p>
+            <a:pPr algn="ctr"/>
+            <a:r>
+              <a:rPr lang="en-IE" sz="1600" dirty="0">
+                <a:latin typeface="Segoe UI Semibold" panose="020B0702040204020203" pitchFamily="34" charset="0"/>
+                <a:cs typeface="Segoe UI Semibold" panose="020B0702040204020203" pitchFamily="34" charset="0"/>
+              </a:rPr>
+              <a:t>East US 2</a:t>
+            </a:r>
+          </a:p>
+        </p:txBody>
+      </p:sp>
+      <p:pic>
+        <p:nvPicPr>
+          <p:cNvPr id="77" name="Graphic 76">
+            <a:extLst>
+              <a:ext uri="{FF2B5EF4-FFF2-40B4-BE49-F238E27FC236}">
+                <a16:creationId xmlns:a16="http://schemas.microsoft.com/office/drawing/2014/main" id="{4733CA1C-95A4-4431-885F-59F9FB28F747}"/>
+              </a:ext>
+            </a:extLst>
+          </p:cNvPr>
+          <p:cNvPicPr>
+            <a:picLocks noChangeAspect="1"/>
+          </p:cNvPicPr>
+          <p:nvPr/>
+        </p:nvPicPr>
+        <p:blipFill>
+          <a:blip r:embed="rId12">
+            <a:extLst>
+              <a:ext uri="{28A0092B-C50C-407E-A947-70E740481C1C}">
+                <a14:useLocalDpi xmlns:a14="http://schemas.microsoft.com/office/drawing/2010/main" val="0"/>
+              </a:ext>
+              <a:ext uri="{96DAC541-7B7A-43D3-8B79-37D633B846F1}">
+                <asvg:svgBlip xmlns:asvg="http://schemas.microsoft.com/office/drawing/2016/SVG/main" r:embed="rId13"/>
+              </a:ext>
+            </a:extLst>
+          </a:blip>
+          <a:stretch>
+            <a:fillRect/>
+          </a:stretch>
+        </p:blipFill>
+        <p:spPr>
+          <a:xfrm>
+            <a:off x="3454399" y="2054458"/>
+            <a:ext cx="718090" cy="718090"/>
+          </a:xfrm>
+          <a:prstGeom prst="rect">
+            <a:avLst/>
+          </a:prstGeom>
+        </p:spPr>
+      </p:pic>
+      <p:sp>
+        <p:nvSpPr>
+          <p:cNvPr id="92" name="TextBox 91">
+            <a:extLst>
+              <a:ext uri="{FF2B5EF4-FFF2-40B4-BE49-F238E27FC236}">
+                <a16:creationId xmlns:a16="http://schemas.microsoft.com/office/drawing/2014/main" id="{E20BC46C-3D70-4BF9-96E2-88D156B4E655}"/>
+              </a:ext>
+            </a:extLst>
+          </p:cNvPr>
+          <p:cNvSpPr txBox="1"/>
+          <p:nvPr/>
+        </p:nvSpPr>
+        <p:spPr>
+          <a:xfrm>
+            <a:off x="3465495" y="2750296"/>
+            <a:ext cx="549853" cy="362466"/>
+          </a:xfrm>
+          <a:prstGeom prst="rect">
+            <a:avLst/>
+          </a:prstGeom>
+          <a:noFill/>
+        </p:spPr>
+        <p:txBody>
+          <a:bodyPr wrap="none" rtlCol="0">
+            <a:spAutoFit/>
+          </a:bodyPr>
+          <a:lstStyle/>
+          <a:p>
+            <a:pPr algn="ctr"/>
+            <a:r>
+              <a:rPr lang="en-IE" sz="1050" dirty="0">
+                <a:solidFill>
+                  <a:srgbClr val="0070C0"/>
+                </a:solidFill>
+                <a:latin typeface="Segoe UI Semibold" panose="020B0702040204020203" pitchFamily="34" charset="0"/>
+                <a:cs typeface="Segoe UI Semibold" panose="020B0702040204020203" pitchFamily="34" charset="0"/>
+              </a:rPr>
+              <a:t>Azure</a:t>
+            </a:r>
+            <a:br>
+              <a:rPr lang="en-IE" sz="1050" dirty="0">
+                <a:solidFill>
+                  <a:srgbClr val="0070C0"/>
+                </a:solidFill>
+                <a:latin typeface="Segoe UI Semibold" panose="020B0702040204020203" pitchFamily="34" charset="0"/>
+                <a:cs typeface="Segoe UI Semibold" panose="020B0702040204020203" pitchFamily="34" charset="0"/>
+              </a:rPr>
+            </a:br>
+            <a:r>
+              <a:rPr lang="en-IE" sz="1050" dirty="0">
+                <a:solidFill>
+                  <a:srgbClr val="0070C0"/>
+                </a:solidFill>
+                <a:latin typeface="Segoe UI Semibold" panose="020B0702040204020203" pitchFamily="34" charset="0"/>
+                <a:cs typeface="Segoe UI Semibold" panose="020B0702040204020203" pitchFamily="34" charset="0"/>
+              </a:rPr>
+              <a:t>Backup</a:t>
+            </a:r>
+          </a:p>
+        </p:txBody>
+      </p:sp>
+      <p:cxnSp>
+        <p:nvCxnSpPr>
+          <p:cNvPr id="93" name="Straight Arrow Connector 92">
+            <a:extLst>
+              <a:ext uri="{FF2B5EF4-FFF2-40B4-BE49-F238E27FC236}">
+                <a16:creationId xmlns:a16="http://schemas.microsoft.com/office/drawing/2014/main" id="{15759606-2A84-4C54-BE1E-6F881222B08E}"/>
+              </a:ext>
+            </a:extLst>
+          </p:cNvPr>
+          <p:cNvCxnSpPr>
+            <a:cxnSpLocks/>
+          </p:cNvCxnSpPr>
+          <p:nvPr/>
+        </p:nvCxnSpPr>
+        <p:spPr>
+          <a:xfrm flipH="1">
+            <a:off x="4273417" y="2254683"/>
+            <a:ext cx="635942" cy="0"/>
+          </a:xfrm>
+          <a:prstGeom prst="straightConnector1">
+            <a:avLst/>
+          </a:prstGeom>
+          <a:ln w="19050">
+            <a:solidFill>
+              <a:srgbClr val="0070C0"/>
+            </a:solidFill>
+            <a:tailEnd type="triangle" w="lg" len="lg"/>
+          </a:ln>
+        </p:spPr>
+        <p:style>
+          <a:lnRef idx="1">
+            <a:schemeClr val="accent1"/>
+          </a:lnRef>
+          <a:fillRef idx="0">
+            <a:schemeClr val="accent1"/>
+          </a:fillRef>
+          <a:effectRef idx="0">
+            <a:schemeClr val="accent1"/>
+          </a:effectRef>
+          <a:fontRef idx="minor">
+            <a:schemeClr val="tx1"/>
+          </a:fontRef>
+        </p:style>
+      </p:cxnSp>
+      <p:cxnSp>
+        <p:nvCxnSpPr>
+          <p:cNvPr id="94" name="Straight Arrow Connector 93">
+            <a:extLst>
+              <a:ext uri="{FF2B5EF4-FFF2-40B4-BE49-F238E27FC236}">
+                <a16:creationId xmlns:a16="http://schemas.microsoft.com/office/drawing/2014/main" id="{6AFF0920-97E6-4862-BADF-DB8353D65C04}"/>
+              </a:ext>
+            </a:extLst>
+          </p:cNvPr>
+          <p:cNvCxnSpPr>
+            <a:cxnSpLocks/>
+          </p:cNvCxnSpPr>
+          <p:nvPr/>
+        </p:nvCxnSpPr>
+        <p:spPr>
+          <a:xfrm flipH="1">
+            <a:off x="4273417" y="2387632"/>
+            <a:ext cx="2712936" cy="0"/>
+          </a:xfrm>
+          <a:prstGeom prst="straightConnector1">
+            <a:avLst/>
+          </a:prstGeom>
+          <a:ln w="19050">
+            <a:solidFill>
+              <a:srgbClr val="0070C0"/>
+            </a:solidFill>
+            <a:tailEnd type="triangle" w="lg" len="lg"/>
+          </a:ln>
+        </p:spPr>
+        <p:style>
+          <a:lnRef idx="1">
+            <a:schemeClr val="accent1"/>
+          </a:lnRef>
+          <a:fillRef idx="0">
+            <a:schemeClr val="accent1"/>
+          </a:fillRef>
+          <a:effectRef idx="0">
+            <a:schemeClr val="accent1"/>
+          </a:effectRef>
+          <a:fontRef idx="minor">
+            <a:schemeClr val="tx1"/>
+          </a:fontRef>
+        </p:style>
+      </p:cxnSp>
+      <p:cxnSp>
+        <p:nvCxnSpPr>
+          <p:cNvPr id="10" name="Connector: Elbow 9">
+            <a:extLst>
+              <a:ext uri="{FF2B5EF4-FFF2-40B4-BE49-F238E27FC236}">
+                <a16:creationId xmlns:a16="http://schemas.microsoft.com/office/drawing/2014/main" id="{396A1D7D-9F82-4E8A-BD55-1AACD9D2AB47}"/>
+              </a:ext>
+            </a:extLst>
+          </p:cNvPr>
+          <p:cNvCxnSpPr>
+            <a:cxnSpLocks/>
+            <a:endCxn id="92" idx="2"/>
+          </p:cNvCxnSpPr>
+          <p:nvPr/>
+        </p:nvCxnSpPr>
+        <p:spPr>
+          <a:xfrm rot="10800000">
+            <a:off x="3740423" y="3112763"/>
+            <a:ext cx="2776739" cy="1201160"/>
+          </a:xfrm>
+          <a:prstGeom prst="bentConnector2">
+            <a:avLst/>
+          </a:prstGeom>
+          <a:ln w="19050">
+            <a:solidFill>
+              <a:srgbClr val="0070C0"/>
+            </a:solidFill>
+            <a:tailEnd type="triangle" w="lg" len="lg"/>
+          </a:ln>
+        </p:spPr>
+        <p:style>
+          <a:lnRef idx="1">
+            <a:schemeClr val="accent1"/>
+          </a:lnRef>
+          <a:fillRef idx="0">
+            <a:schemeClr val="accent1"/>
+          </a:fillRef>
+          <a:effectRef idx="0">
+            <a:schemeClr val="accent1"/>
+          </a:effectRef>
+          <a:fontRef idx="minor">
+            <a:schemeClr val="tx1"/>
+          </a:fontRef>
+        </p:style>
+      </p:cxnSp>
+      <p:pic>
+        <p:nvPicPr>
+          <p:cNvPr id="4" name="Graphic 3">
+            <a:extLst>
+              <a:ext uri="{FF2B5EF4-FFF2-40B4-BE49-F238E27FC236}">
+                <a16:creationId xmlns:a16="http://schemas.microsoft.com/office/drawing/2014/main" id="{441FC38B-9449-4F4C-A770-E7FDA0F6B831}"/>
+              </a:ext>
+            </a:extLst>
+          </p:cNvPr>
+          <p:cNvPicPr>
+            <a:picLocks noChangeAspect="1"/>
+          </p:cNvPicPr>
+          <p:nvPr/>
+        </p:nvPicPr>
+        <p:blipFill>
+          <a:blip r:embed="rId14">
+            <a:extLst>
+              <a:ext uri="{28A0092B-C50C-407E-A947-70E740481C1C}">
+                <a14:useLocalDpi xmlns:a14="http://schemas.microsoft.com/office/drawing/2010/main" val="0"/>
+              </a:ext>
+              <a:ext uri="{96DAC541-7B7A-43D3-8B79-37D633B846F1}">
+                <asvg:svgBlip xmlns:asvg="http://schemas.microsoft.com/office/drawing/2016/SVG/main" r:embed="rId15"/>
+              </a:ext>
+            </a:extLst>
+          </a:blip>
+          <a:stretch>
+            <a:fillRect/>
+          </a:stretch>
+        </p:blipFill>
+        <p:spPr>
+          <a:xfrm>
+            <a:off x="7932235" y="128783"/>
+            <a:ext cx="506887" cy="506887"/>
+          </a:xfrm>
+          <a:prstGeom prst="rect">
+            <a:avLst/>
+          </a:prstGeom>
+        </p:spPr>
+      </p:pic>
+      <p:cxnSp>
+        <p:nvCxnSpPr>
+          <p:cNvPr id="76" name="Connector: Elbow 75">
+            <a:extLst>
+              <a:ext uri="{FF2B5EF4-FFF2-40B4-BE49-F238E27FC236}">
+                <a16:creationId xmlns:a16="http://schemas.microsoft.com/office/drawing/2014/main" id="{9C3D42E6-04DD-4264-B876-8F2C7F3FAF8A}"/>
+              </a:ext>
+            </a:extLst>
+          </p:cNvPr>
+          <p:cNvCxnSpPr>
+            <a:cxnSpLocks/>
+            <a:stCxn id="4" idx="1"/>
+            <a:endCxn id="17" idx="0"/>
+          </p:cNvCxnSpPr>
+          <p:nvPr/>
+        </p:nvCxnSpPr>
+        <p:spPr>
+          <a:xfrm rot="10800000" flipV="1">
+            <a:off x="6308549" y="382226"/>
+            <a:ext cx="1623686" cy="897075"/>
+          </a:xfrm>
+          <a:prstGeom prst="bentConnector2">
+            <a:avLst/>
+          </a:prstGeom>
+          <a:ln w="19050">
+            <a:solidFill>
+              <a:schemeClr val="tx1">
+                <a:lumMod val="95000"/>
+                <a:lumOff val="5000"/>
+              </a:schemeClr>
+            </a:solidFill>
+            <a:tailEnd type="triangle" w="lg" len="lg"/>
+          </a:ln>
+        </p:spPr>
+        <p:style>
+          <a:lnRef idx="1">
+            <a:schemeClr val="accent1"/>
+          </a:lnRef>
+          <a:fillRef idx="0">
+            <a:schemeClr val="accent1"/>
+          </a:fillRef>
+          <a:effectRef idx="0">
+            <a:schemeClr val="accent1"/>
+          </a:effectRef>
+          <a:fontRef idx="minor">
+            <a:schemeClr val="tx1"/>
+          </a:fontRef>
+        </p:style>
+      </p:cxnSp>
+      <p:cxnSp>
+        <p:nvCxnSpPr>
+          <p:cNvPr id="95" name="Connector: Elbow 94">
+            <a:extLst>
+              <a:ext uri="{FF2B5EF4-FFF2-40B4-BE49-F238E27FC236}">
+                <a16:creationId xmlns:a16="http://schemas.microsoft.com/office/drawing/2014/main" id="{901CEF89-F24C-4421-9AA2-64506DE6B519}"/>
+              </a:ext>
+            </a:extLst>
+          </p:cNvPr>
+          <p:cNvCxnSpPr>
+            <a:cxnSpLocks/>
+            <a:stCxn id="4" idx="3"/>
+            <a:endCxn id="51" idx="0"/>
+          </p:cNvCxnSpPr>
+          <p:nvPr/>
+        </p:nvCxnSpPr>
+        <p:spPr>
+          <a:xfrm>
+            <a:off x="8439122" y="382227"/>
+            <a:ext cx="1710786" cy="897075"/>
+          </a:xfrm>
+          <a:prstGeom prst="bentConnector2">
+            <a:avLst/>
+          </a:prstGeom>
+          <a:ln w="19050">
+            <a:solidFill>
+              <a:schemeClr val="tx1">
+                <a:lumMod val="95000"/>
+                <a:lumOff val="5000"/>
+              </a:schemeClr>
+            </a:solidFill>
+            <a:tailEnd type="triangle" w="lg" len="lg"/>
+          </a:ln>
+        </p:spPr>
+        <p:style>
+          <a:lnRef idx="1">
+            <a:schemeClr val="accent1"/>
+          </a:lnRef>
+          <a:fillRef idx="0">
+            <a:schemeClr val="accent1"/>
+          </a:fillRef>
+          <a:effectRef idx="0">
+            <a:schemeClr val="accent1"/>
+          </a:effectRef>
+          <a:fontRef idx="minor">
+            <a:schemeClr val="tx1"/>
+          </a:fontRef>
+        </p:style>
+      </p:cxnSp>
+      <p:sp>
+        <p:nvSpPr>
+          <p:cNvPr id="96" name="TextBox 95">
+            <a:extLst>
+              <a:ext uri="{FF2B5EF4-FFF2-40B4-BE49-F238E27FC236}">
+                <a16:creationId xmlns:a16="http://schemas.microsoft.com/office/drawing/2014/main" id="{2DD15B15-018A-40B8-80A4-6B7E80330E70}"/>
+              </a:ext>
+            </a:extLst>
+          </p:cNvPr>
+          <p:cNvSpPr txBox="1"/>
+          <p:nvPr/>
+        </p:nvSpPr>
+        <p:spPr>
+          <a:xfrm>
+            <a:off x="7952926" y="537888"/>
+            <a:ext cx="508473" cy="415498"/>
+          </a:xfrm>
+          <a:prstGeom prst="rect">
+            <a:avLst/>
+          </a:prstGeom>
+          <a:noFill/>
+        </p:spPr>
+        <p:txBody>
+          <a:bodyPr wrap="none" rtlCol="0">
+            <a:spAutoFit/>
+          </a:bodyPr>
+          <a:lstStyle/>
+          <a:p>
+            <a:pPr algn="ctr"/>
+            <a:r>
+              <a:rPr lang="en-IE" sz="1050" dirty="0">
+                <a:solidFill>
+                  <a:schemeClr val="tx1">
+                    <a:lumMod val="95000"/>
+                    <a:lumOff val="5000"/>
+                  </a:schemeClr>
+                </a:solidFill>
+                <a:latin typeface="Segoe UI Semibold" panose="020B0702040204020203" pitchFamily="34" charset="0"/>
+                <a:cs typeface="Segoe UI Semibold" panose="020B0702040204020203" pitchFamily="34" charset="0"/>
+              </a:rPr>
+              <a:t>Front</a:t>
+            </a:r>
+            <a:br>
+              <a:rPr lang="en-IE" sz="1050" dirty="0">
+                <a:solidFill>
+                  <a:schemeClr val="tx1">
+                    <a:lumMod val="95000"/>
+                    <a:lumOff val="5000"/>
+                  </a:schemeClr>
+                </a:solidFill>
+                <a:latin typeface="Segoe UI Semibold" panose="020B0702040204020203" pitchFamily="34" charset="0"/>
+                <a:cs typeface="Segoe UI Semibold" panose="020B0702040204020203" pitchFamily="34" charset="0"/>
+              </a:rPr>
+            </a:br>
+            <a:r>
+              <a:rPr lang="en-IE" sz="1050" dirty="0">
+                <a:solidFill>
+                  <a:schemeClr val="tx1">
+                    <a:lumMod val="95000"/>
+                    <a:lumOff val="5000"/>
+                  </a:schemeClr>
+                </a:solidFill>
+                <a:latin typeface="Segoe UI Semibold" panose="020B0702040204020203" pitchFamily="34" charset="0"/>
+                <a:cs typeface="Segoe UI Semibold" panose="020B0702040204020203" pitchFamily="34" charset="0"/>
+              </a:rPr>
+              <a:t>Door</a:t>
+            </a:r>
+          </a:p>
+        </p:txBody>
+      </p:sp>
+    </p:spTree>
+    <p:extLst>
+      <p:ext uri="{BB962C8B-B14F-4D97-AF65-F5344CB8AC3E}">
+        <p14:creationId xmlns:p14="http://schemas.microsoft.com/office/powerpoint/2010/main" val="336142859"/>
+      </p:ext>
+    </p:extLst>
+  </p:cSld>
+  <p:clrMapOvr>
+    <a:masterClrMapping/>
+  </p:clrMapOvr>
+</p:sld>
+</file>
+
 <file path=ppt/theme/theme1.xml><?xml version="1.0" encoding="utf-8"?>
 <a:theme xmlns:a="http://schemas.openxmlformats.org/drawingml/2006/main" name="Office Theme">
   <a:themeElements>
